--- a/ppts/0. Introduction - Data Mining.pptx
+++ b/ppts/0. Introduction - Data Mining.pptx
@@ -5,7 +5,7 @@
     <p:sldMasterId id="2147483660" r:id="rId1"/>
   </p:sldMasterIdLst>
   <p:notesMasterIdLst>
-    <p:notesMasterId r:id="rId15"/>
+    <p:notesMasterId r:id="rId18"/>
   </p:notesMasterIdLst>
   <p:sldIdLst>
     <p:sldId id="256" r:id="rId2"/>
@@ -15,12 +15,15 @@
     <p:sldId id="277" r:id="rId6"/>
     <p:sldId id="280" r:id="rId7"/>
     <p:sldId id="272" r:id="rId8"/>
-    <p:sldId id="267" r:id="rId9"/>
-    <p:sldId id="273" r:id="rId10"/>
-    <p:sldId id="274" r:id="rId11"/>
-    <p:sldId id="275" r:id="rId12"/>
-    <p:sldId id="276" r:id="rId13"/>
-    <p:sldId id="281" r:id="rId14"/>
+    <p:sldId id="282" r:id="rId9"/>
+    <p:sldId id="283" r:id="rId10"/>
+    <p:sldId id="284" r:id="rId11"/>
+    <p:sldId id="267" r:id="rId12"/>
+    <p:sldId id="273" r:id="rId13"/>
+    <p:sldId id="274" r:id="rId14"/>
+    <p:sldId id="275" r:id="rId15"/>
+    <p:sldId id="276" r:id="rId16"/>
+    <p:sldId id="281" r:id="rId17"/>
   </p:sldIdLst>
   <p:sldSz cx="9144000" cy="6858000" type="screen4x3"/>
   <p:notesSz cx="6858000" cy="9144000"/>
@@ -220,7 +223,7 @@
           <a:p>
             <a:fld id="{CEAA3041-7D72-4C0E-BE15-C88E3A556839}" type="datetimeFigureOut">
               <a:rPr lang="ko-KR" altLang="en-US" smtClean="0"/>
-              <a:t>2018-01-03</a:t>
+              <a:t>2018-02-03</a:t>
             </a:fld>
             <a:endParaRPr lang="ko-KR" altLang="en-US"/>
           </a:p>
@@ -553,7 +556,7 @@
           <a:p>
             <a:fld id="{FA724202-A9C5-4A3B-9071-3770D31204F2}" type="slidenum">
               <a:rPr lang="ko-KR" altLang="en-US" smtClean="0"/>
-              <a:t>8</a:t>
+              <a:t>11</a:t>
             </a:fld>
             <a:endParaRPr lang="ko-KR" altLang="en-US"/>
           </a:p>
@@ -637,7 +640,7 @@
           <a:p>
             <a:fld id="{FA724202-A9C5-4A3B-9071-3770D31204F2}" type="slidenum">
               <a:rPr lang="ko-KR" altLang="en-US" smtClean="0"/>
-              <a:t>12</a:t>
+              <a:t>15</a:t>
             </a:fld>
             <a:endParaRPr lang="ko-KR" altLang="en-US"/>
           </a:p>
@@ -721,7 +724,7 @@
           <a:p>
             <a:fld id="{FA724202-A9C5-4A3B-9071-3770D31204F2}" type="slidenum">
               <a:rPr lang="ko-KR" altLang="en-US" smtClean="0"/>
-              <a:t>13</a:t>
+              <a:t>16</a:t>
             </a:fld>
             <a:endParaRPr lang="ko-KR" altLang="en-US"/>
           </a:p>
@@ -871,7 +874,7 @@
           <a:p>
             <a:fld id="{1D0AE3C4-1F9F-4A56-BCEB-B2DB79A318C1}" type="datetimeFigureOut">
               <a:rPr lang="ko-KR" altLang="en-US" smtClean="0"/>
-              <a:t>2018-01-03</a:t>
+              <a:t>2018-02-03</a:t>
             </a:fld>
             <a:endParaRPr lang="ko-KR" altLang="en-US"/>
           </a:p>
@@ -1041,7 +1044,7 @@
           <a:p>
             <a:fld id="{1D0AE3C4-1F9F-4A56-BCEB-B2DB79A318C1}" type="datetimeFigureOut">
               <a:rPr lang="ko-KR" altLang="en-US" smtClean="0"/>
-              <a:t>2018-01-03</a:t>
+              <a:t>2018-02-03</a:t>
             </a:fld>
             <a:endParaRPr lang="ko-KR" altLang="en-US"/>
           </a:p>
@@ -1221,7 +1224,7 @@
           <a:p>
             <a:fld id="{1D0AE3C4-1F9F-4A56-BCEB-B2DB79A318C1}" type="datetimeFigureOut">
               <a:rPr lang="ko-KR" altLang="en-US" smtClean="0"/>
-              <a:t>2018-01-03</a:t>
+              <a:t>2018-02-03</a:t>
             </a:fld>
             <a:endParaRPr lang="ko-KR" altLang="en-US"/>
           </a:p>
@@ -1391,7 +1394,7 @@
           <a:p>
             <a:fld id="{1D0AE3C4-1F9F-4A56-BCEB-B2DB79A318C1}" type="datetimeFigureOut">
               <a:rPr lang="ko-KR" altLang="en-US" smtClean="0"/>
-              <a:t>2018-01-03</a:t>
+              <a:t>2018-02-03</a:t>
             </a:fld>
             <a:endParaRPr lang="ko-KR" altLang="en-US"/>
           </a:p>
@@ -1635,7 +1638,7 @@
           <a:p>
             <a:fld id="{1D0AE3C4-1F9F-4A56-BCEB-B2DB79A318C1}" type="datetimeFigureOut">
               <a:rPr lang="ko-KR" altLang="en-US" smtClean="0"/>
-              <a:t>2018-01-03</a:t>
+              <a:t>2018-02-03</a:t>
             </a:fld>
             <a:endParaRPr lang="ko-KR" altLang="en-US"/>
           </a:p>
@@ -1867,7 +1870,7 @@
           <a:p>
             <a:fld id="{1D0AE3C4-1F9F-4A56-BCEB-B2DB79A318C1}" type="datetimeFigureOut">
               <a:rPr lang="ko-KR" altLang="en-US" smtClean="0"/>
-              <a:t>2018-01-03</a:t>
+              <a:t>2018-02-03</a:t>
             </a:fld>
             <a:endParaRPr lang="ko-KR" altLang="en-US"/>
           </a:p>
@@ -2234,7 +2237,7 @@
           <a:p>
             <a:fld id="{1D0AE3C4-1F9F-4A56-BCEB-B2DB79A318C1}" type="datetimeFigureOut">
               <a:rPr lang="ko-KR" altLang="en-US" smtClean="0"/>
-              <a:t>2018-01-03</a:t>
+              <a:t>2018-02-03</a:t>
             </a:fld>
             <a:endParaRPr lang="ko-KR" altLang="en-US"/>
           </a:p>
@@ -2352,7 +2355,7 @@
           <a:p>
             <a:fld id="{1D0AE3C4-1F9F-4A56-BCEB-B2DB79A318C1}" type="datetimeFigureOut">
               <a:rPr lang="ko-KR" altLang="en-US" smtClean="0"/>
-              <a:t>2018-01-03</a:t>
+              <a:t>2018-02-03</a:t>
             </a:fld>
             <a:endParaRPr lang="ko-KR" altLang="en-US"/>
           </a:p>
@@ -2447,7 +2450,7 @@
           <a:p>
             <a:fld id="{1D0AE3C4-1F9F-4A56-BCEB-B2DB79A318C1}" type="datetimeFigureOut">
               <a:rPr lang="ko-KR" altLang="en-US" smtClean="0"/>
-              <a:t>2018-01-03</a:t>
+              <a:t>2018-02-03</a:t>
             </a:fld>
             <a:endParaRPr lang="ko-KR" altLang="en-US"/>
           </a:p>
@@ -2724,7 +2727,7 @@
           <a:p>
             <a:fld id="{1D0AE3C4-1F9F-4A56-BCEB-B2DB79A318C1}" type="datetimeFigureOut">
               <a:rPr lang="ko-KR" altLang="en-US" smtClean="0"/>
-              <a:t>2018-01-03</a:t>
+              <a:t>2018-02-03</a:t>
             </a:fld>
             <a:endParaRPr lang="ko-KR" altLang="en-US"/>
           </a:p>
@@ -2981,7 +2984,7 @@
           <a:p>
             <a:fld id="{1D0AE3C4-1F9F-4A56-BCEB-B2DB79A318C1}" type="datetimeFigureOut">
               <a:rPr lang="ko-KR" altLang="en-US" smtClean="0"/>
-              <a:t>2018-01-03</a:t>
+              <a:t>2018-02-03</a:t>
             </a:fld>
             <a:endParaRPr lang="ko-KR" altLang="en-US"/>
           </a:p>
@@ -3194,7 +3197,7 @@
           <a:p>
             <a:fld id="{1D0AE3C4-1F9F-4A56-BCEB-B2DB79A318C1}" type="datetimeFigureOut">
               <a:rPr lang="ko-KR" altLang="en-US" smtClean="0"/>
-              <a:t>2018-01-03</a:t>
+              <a:t>2018-02-03</a:t>
             </a:fld>
             <a:endParaRPr lang="ko-KR" altLang="en-US"/>
           </a:p>
@@ -3932,7 +3935,7 @@
         <p:spPr>
           <a:xfrm>
             <a:off x="741880" y="129720"/>
-            <a:ext cx="3966150" cy="584775"/>
+            <a:ext cx="6104556" cy="584775"/>
           </a:xfrm>
           <a:prstGeom prst="rect">
             <a:avLst/>
@@ -3966,7 +3969,7 @@
                 <a:latin typeface="Arial" panose="020B0604020202020204" pitchFamily="34" charset="0"/>
                 <a:cs typeface="Arial" panose="020B0604020202020204" pitchFamily="34" charset="0"/>
               </a:rPr>
-              <a:t>Data Mining Process</a:t>
+              <a:t>Data, Database, and Information</a:t>
             </a:r>
             <a:endParaRPr lang="ko-KR" altLang="en-US" sz="3200" dirty="0">
               <a:gradFill flip="none" rotWithShape="1">
@@ -3993,57 +3996,7 @@
       </p:sp>
       <p:sp>
         <p:nvSpPr>
-          <p:cNvPr id="6" name="TextBox 5"/>
-          <p:cNvSpPr txBox="1"/>
-          <p:nvPr/>
-        </p:nvSpPr>
-        <p:spPr>
-          <a:xfrm>
-            <a:off x="276056" y="1101628"/>
-            <a:ext cx="8626404" cy="400110"/>
-          </a:xfrm>
-          <a:prstGeom prst="rect">
-            <a:avLst/>
-          </a:prstGeom>
-          <a:noFill/>
-        </p:spPr>
-        <p:txBody>
-          <a:bodyPr wrap="square" rtlCol="0">
-            <a:spAutoFit/>
-          </a:bodyPr>
-          <a:lstStyle/>
-          <a:p>
-            <a:pPr algn="just"/>
-            <a:r>
-              <a:rPr lang="en-US" altLang="ko-KR" sz="2000" dirty="0" smtClean="0">
-                <a:solidFill>
-                  <a:schemeClr val="tx1">
-                    <a:lumMod val="75000"/>
-                    <a:lumOff val="25000"/>
-                  </a:schemeClr>
-                </a:solidFill>
-                <a:latin typeface="Arial" panose="020B0604020202020204" pitchFamily="34" charset="0"/>
-                <a:cs typeface="Arial" panose="020B0604020202020204" pitchFamily="34" charset="0"/>
-                <a:sym typeface="Wingdings" panose="05000000000000000000" pitchFamily="2" charset="2"/>
-              </a:rPr>
-              <a:t> Related techniques &amp; methodologies</a:t>
-            </a:r>
-            <a:endParaRPr lang="ko-KR" altLang="en-US" sz="2000" dirty="0">
-              <a:solidFill>
-                <a:schemeClr val="tx1">
-                  <a:lumMod val="75000"/>
-                  <a:lumOff val="25000"/>
-                </a:schemeClr>
-              </a:solidFill>
-              <a:latin typeface="Arial" panose="020B0604020202020204" pitchFamily="34" charset="0"/>
-              <a:cs typeface="Arial" panose="020B0604020202020204" pitchFamily="34" charset="0"/>
-            </a:endParaRPr>
-          </a:p>
-        </p:txBody>
-      </p:sp>
-      <p:sp>
-        <p:nvSpPr>
-          <p:cNvPr id="11" name="직사각형 10"/>
+          <p:cNvPr id="5" name="직사각형 4"/>
           <p:cNvSpPr/>
           <p:nvPr/>
         </p:nvSpPr>
@@ -4095,14 +4048,14 @@
       </p:sp>
       <p:sp>
         <p:nvSpPr>
-          <p:cNvPr id="8" name="TextBox 7"/>
+          <p:cNvPr id="6" name="TextBox 5"/>
           <p:cNvSpPr txBox="1"/>
           <p:nvPr/>
         </p:nvSpPr>
         <p:spPr>
           <a:xfrm>
-            <a:off x="276056" y="1648016"/>
-            <a:ext cx="8626404" cy="1477328"/>
+            <a:off x="276056" y="1101628"/>
+            <a:ext cx="8626404" cy="400110"/>
           </a:xfrm>
           <a:prstGeom prst="rect">
             <a:avLst/>
@@ -4115,147 +4068,148 @@
           </a:bodyPr>
           <a:lstStyle/>
           <a:p>
-            <a:pPr marL="800100" lvl="1" indent="-342900" algn="just">
-              <a:buFont typeface="Wingdings" panose="05000000000000000000" pitchFamily="2" charset="2"/>
-              <a:buChar char=""/>
-            </a:pPr>
-            <a:r>
-              <a:rPr lang="en-US" altLang="ko-KR" b="1" dirty="0" smtClean="0">
-                <a:solidFill>
-                  <a:srgbClr val="C00000"/>
+            <a:pPr algn="just"/>
+            <a:r>
+              <a:rPr lang="en-US" altLang="ko-KR" sz="2000" dirty="0" smtClean="0">
+                <a:solidFill>
+                  <a:schemeClr val="tx1">
+                    <a:lumMod val="75000"/>
+                    <a:lumOff val="25000"/>
+                  </a:schemeClr>
                 </a:solidFill>
                 <a:latin typeface="Arial" panose="020B0604020202020204" pitchFamily="34" charset="0"/>
                 <a:cs typeface="Arial" panose="020B0604020202020204" pitchFamily="34" charset="0"/>
                 <a:sym typeface="Wingdings" panose="05000000000000000000" pitchFamily="2" charset="2"/>
               </a:rPr>
-              <a:t>Data (Pre)processing: </a:t>
-            </a:r>
-            <a:r>
-              <a:rPr lang="en-US" altLang="ko-KR" dirty="0">
+              <a:t> </a:t>
+            </a:r>
+            <a:r>
+              <a:rPr lang="en-US" altLang="ko-KR" sz="2000" dirty="0" smtClean="0">
+                <a:solidFill>
+                  <a:schemeClr val="tx1">
+                    <a:lumMod val="75000"/>
+                    <a:lumOff val="25000"/>
+                  </a:schemeClr>
+                </a:solidFill>
                 <a:latin typeface="Arial" panose="020B0604020202020204" pitchFamily="34" charset="0"/>
                 <a:cs typeface="Arial" panose="020B0604020202020204" pitchFamily="34" charset="0"/>
                 <a:sym typeface="Wingdings" panose="05000000000000000000" pitchFamily="2" charset="2"/>
               </a:rPr>
-              <a:t>key step in DM. Includes cleaning, data reduction, normalization, transformation, feature extraction and selection, etc. </a:t>
-            </a:r>
-            <a:endParaRPr lang="en-US" altLang="ko-KR" dirty="0" smtClean="0">
-              <a:latin typeface="Arial" panose="020B0604020202020204" pitchFamily="34" charset="0"/>
-              <a:cs typeface="Arial" panose="020B0604020202020204" pitchFamily="34" charset="0"/>
-              <a:sym typeface="Wingdings" panose="05000000000000000000" pitchFamily="2" charset="2"/>
-            </a:endParaRPr>
-          </a:p>
-          <a:p>
-            <a:pPr lvl="2" algn="just"/>
-            <a:r>
-              <a:rPr lang="en-US" altLang="ko-KR" dirty="0" smtClean="0">
+              <a:t>Example: R/Pandas </a:t>
+            </a:r>
+            <a:r>
+              <a:rPr lang="en-US" altLang="ko-KR" sz="2000" dirty="0" err="1" smtClean="0">
+                <a:solidFill>
+                  <a:schemeClr val="tx1">
+                    <a:lumMod val="75000"/>
+                    <a:lumOff val="25000"/>
+                  </a:schemeClr>
+                </a:solidFill>
                 <a:latin typeface="Arial" panose="020B0604020202020204" pitchFamily="34" charset="0"/>
                 <a:cs typeface="Arial" panose="020B0604020202020204" pitchFamily="34" charset="0"/>
                 <a:sym typeface="Wingdings" panose="05000000000000000000" pitchFamily="2" charset="2"/>
               </a:rPr>
-              <a:t>- “Necessary condition” for gaining insights from data</a:t>
-            </a:r>
-          </a:p>
-          <a:p>
-            <a:pPr lvl="2" algn="just"/>
-            <a:r>
-              <a:rPr lang="en-US" altLang="ko-KR" dirty="0" smtClean="0">
-                <a:latin typeface="Arial" panose="020B0604020202020204" pitchFamily="34" charset="0"/>
-                <a:cs typeface="Arial" panose="020B0604020202020204" pitchFamily="34" charset="0"/>
-                <a:sym typeface="Wingdings" panose="05000000000000000000" pitchFamily="2" charset="2"/>
-              </a:rPr>
-              <a:t>- Heavily performed in data preparation stage, but can be performed in other stages as well</a:t>
-            </a:r>
-            <a:endParaRPr lang="ko-KR" altLang="en-US" dirty="0">
+              <a:t>Dataframe</a:t>
+            </a:r>
+            <a:endParaRPr lang="ko-KR" altLang="en-US" sz="2000" dirty="0">
+              <a:solidFill>
+                <a:schemeClr val="tx1">
+                  <a:lumMod val="75000"/>
+                  <a:lumOff val="25000"/>
+                </a:schemeClr>
+              </a:solidFill>
               <a:latin typeface="Arial" panose="020B0604020202020204" pitchFamily="34" charset="0"/>
               <a:cs typeface="Arial" panose="020B0604020202020204" pitchFamily="34" charset="0"/>
             </a:endParaRPr>
           </a:p>
         </p:txBody>
       </p:sp>
-      <p:sp>
-        <p:nvSpPr>
-          <p:cNvPr id="9" name="TextBox 8"/>
-          <p:cNvSpPr txBox="1"/>
+      <p:pic>
+        <p:nvPicPr>
+          <p:cNvPr id="3074" name="Picture 2" descr="r dataframe에 대한 이미지 검색결과"/>
+          <p:cNvPicPr>
+            <a:picLocks noChangeAspect="1" noChangeArrowheads="1"/>
+          </p:cNvPicPr>
           <p:nvPr/>
-        </p:nvSpPr>
-        <p:spPr>
-          <a:xfrm>
-            <a:off x="276056" y="3423119"/>
-            <a:ext cx="8626404" cy="1200329"/>
+        </p:nvPicPr>
+        <p:blipFill>
+          <a:blip r:embed="rId2">
+            <a:extLst>
+              <a:ext uri="{28A0092B-C50C-407E-A947-70E740481C1C}">
+                <a14:useLocalDpi xmlns:a14="http://schemas.microsoft.com/office/drawing/2010/main" val="0"/>
+              </a:ext>
+            </a:extLst>
+          </a:blip>
+          <a:srcRect/>
+          <a:stretch>
+            <a:fillRect/>
+          </a:stretch>
+        </p:blipFill>
+        <p:spPr bwMode="auto">
+          <a:xfrm>
+            <a:off x="465822" y="1609725"/>
+            <a:ext cx="5039628" cy="3275758"/>
           </a:xfrm>
           <a:prstGeom prst="rect">
             <a:avLst/>
           </a:prstGeom>
           <a:noFill/>
-        </p:spPr>
-        <p:txBody>
-          <a:bodyPr wrap="square" rtlCol="0">
-            <a:spAutoFit/>
-          </a:bodyPr>
-          <a:lstStyle/>
-          <a:p>
-            <a:pPr marL="800100" lvl="1" indent="-342900" algn="just">
-              <a:buFont typeface="Wingdings" panose="05000000000000000000" pitchFamily="2" charset="2"/>
-              <a:buChar char=""/>
-            </a:pPr>
-            <a:r>
-              <a:rPr lang="en-US" altLang="ko-KR" b="1" dirty="0" smtClean="0">
-                <a:solidFill>
-                  <a:srgbClr val="C00000"/>
-                </a:solidFill>
-                <a:latin typeface="Arial" panose="020B0604020202020204" pitchFamily="34" charset="0"/>
-                <a:cs typeface="Arial" panose="020B0604020202020204" pitchFamily="34" charset="0"/>
-                <a:sym typeface="Wingdings" panose="05000000000000000000" pitchFamily="2" charset="2"/>
-              </a:rPr>
-              <a:t>Data Visualization: </a:t>
-            </a:r>
-            <a:r>
-              <a:rPr lang="en-US" altLang="ko-KR" dirty="0">
-                <a:latin typeface="Arial" panose="020B0604020202020204" pitchFamily="34" charset="0"/>
-                <a:cs typeface="Arial" panose="020B0604020202020204" pitchFamily="34" charset="0"/>
-                <a:sym typeface="Wingdings" panose="05000000000000000000" pitchFamily="2" charset="2"/>
-              </a:rPr>
-              <a:t>techniques used to communicate data or information by encoding it as visual objects (e.g., points , lines or bars) contained in </a:t>
-            </a:r>
-            <a:r>
-              <a:rPr lang="en-US" altLang="ko-KR" dirty="0" smtClean="0">
-                <a:latin typeface="Arial" panose="020B0604020202020204" pitchFamily="34" charset="0"/>
-                <a:cs typeface="Arial" panose="020B0604020202020204" pitchFamily="34" charset="0"/>
-                <a:sym typeface="Wingdings" panose="05000000000000000000" pitchFamily="2" charset="2"/>
-              </a:rPr>
-              <a:t>graphics</a:t>
-            </a:r>
-          </a:p>
-          <a:p>
-            <a:pPr lvl="1" algn="just"/>
-            <a:r>
-              <a:rPr lang="en-US" altLang="ko-KR" dirty="0">
-                <a:latin typeface="Arial" panose="020B0604020202020204" pitchFamily="34" charset="0"/>
-                <a:cs typeface="Arial" panose="020B0604020202020204" pitchFamily="34" charset="0"/>
-                <a:sym typeface="Wingdings" panose="05000000000000000000" pitchFamily="2" charset="2"/>
-              </a:rPr>
-              <a:t>	</a:t>
-            </a:r>
-            <a:r>
-              <a:rPr lang="en-US" altLang="ko-KR" dirty="0" smtClean="0">
-                <a:latin typeface="Arial" panose="020B0604020202020204" pitchFamily="34" charset="0"/>
-                <a:cs typeface="Arial" panose="020B0604020202020204" pitchFamily="34" charset="0"/>
-                <a:sym typeface="Wingdings" panose="05000000000000000000" pitchFamily="2" charset="2"/>
-              </a:rPr>
-              <a:t>- Goal is to communicate information clearly and efficiently to others</a:t>
-            </a:r>
-            <a:endParaRPr lang="en-US" altLang="ko-KR" dirty="0">
-              <a:latin typeface="Arial" panose="020B0604020202020204" pitchFamily="34" charset="0"/>
-              <a:cs typeface="Arial" panose="020B0604020202020204" pitchFamily="34" charset="0"/>
-              <a:sym typeface="Wingdings" panose="05000000000000000000" pitchFamily="2" charset="2"/>
-            </a:endParaRPr>
-          </a:p>
-        </p:txBody>
-      </p:sp>
+          <a:extLst>
+            <a:ext uri="{909E8E84-426E-40DD-AFC4-6F175D3DCCD1}">
+              <a14:hiddenFill xmlns:a14="http://schemas.microsoft.com/office/drawing/2010/main">
+                <a:solidFill>
+                  <a:srgbClr val="FFFFFF"/>
+                </a:solidFill>
+              </a14:hiddenFill>
+            </a:ext>
+          </a:extLst>
+        </p:spPr>
+      </p:pic>
+      <p:pic>
+        <p:nvPicPr>
+          <p:cNvPr id="3076" name="Picture 4" descr="pandas dataframe에 대한 이미지 검색결과"/>
+          <p:cNvPicPr>
+            <a:picLocks noChangeAspect="1" noChangeArrowheads="1"/>
+          </p:cNvPicPr>
+          <p:nvPr/>
+        </p:nvPicPr>
+        <p:blipFill>
+          <a:blip r:embed="rId3">
+            <a:extLst>
+              <a:ext uri="{28A0092B-C50C-407E-A947-70E740481C1C}">
+                <a14:useLocalDpi xmlns:a14="http://schemas.microsoft.com/office/drawing/2010/main" val="0"/>
+              </a:ext>
+            </a:extLst>
+          </a:blip>
+          <a:srcRect/>
+          <a:stretch>
+            <a:fillRect/>
+          </a:stretch>
+        </p:blipFill>
+        <p:spPr bwMode="auto">
+          <a:xfrm>
+            <a:off x="2190750" y="4619625"/>
+            <a:ext cx="6629400" cy="2143125"/>
+          </a:xfrm>
+          <a:prstGeom prst="rect">
+            <a:avLst/>
+          </a:prstGeom>
+          <a:noFill/>
+          <a:extLst>
+            <a:ext uri="{909E8E84-426E-40DD-AFC4-6F175D3DCCD1}">
+              <a14:hiddenFill xmlns:a14="http://schemas.microsoft.com/office/drawing/2010/main">
+                <a:solidFill>
+                  <a:srgbClr val="FFFFFF"/>
+                </a:solidFill>
+              </a14:hiddenFill>
+            </a:ext>
+          </a:extLst>
+        </p:spPr>
+      </p:pic>
     </p:spTree>
     <p:extLst>
       <p:ext uri="{BB962C8B-B14F-4D97-AF65-F5344CB8AC3E}">
-        <p14:creationId xmlns:p14="http://schemas.microsoft.com/office/powerpoint/2010/main" val="3177934127"/>
+        <p14:creationId xmlns:p14="http://schemas.microsoft.com/office/powerpoint/2010/main" val="3379813959"/>
       </p:ext>
     </p:extLst>
   </p:cSld>
@@ -4422,7 +4376,7 @@
                 <a:cs typeface="Arial" panose="020B0604020202020204" pitchFamily="34" charset="0"/>
                 <a:sym typeface="Wingdings" panose="05000000000000000000" pitchFamily="2" charset="2"/>
               </a:rPr>
-              <a:t> Related techniques &amp; methodologies</a:t>
+              <a:t> Cross-industry standard process for data mining (CRISP-DM)</a:t>
             </a:r>
             <a:endParaRPr lang="ko-KR" altLang="en-US" sz="2000" dirty="0">
               <a:solidFill>
@@ -4489,96 +4443,16 @@
           </a:p>
         </p:txBody>
       </p:sp>
-      <p:sp>
-        <p:nvSpPr>
-          <p:cNvPr id="8" name="TextBox 7"/>
-          <p:cNvSpPr txBox="1"/>
-          <p:nvPr/>
-        </p:nvSpPr>
-        <p:spPr>
-          <a:xfrm>
-            <a:off x="276056" y="1648016"/>
-            <a:ext cx="8626404" cy="1477328"/>
-          </a:xfrm>
-          <a:prstGeom prst="rect">
-            <a:avLst/>
-          </a:prstGeom>
-          <a:noFill/>
-        </p:spPr>
-        <p:txBody>
-          <a:bodyPr wrap="square" rtlCol="0">
-            <a:spAutoFit/>
-          </a:bodyPr>
-          <a:lstStyle/>
-          <a:p>
-            <a:pPr marL="800100" lvl="1" indent="-342900" algn="just">
-              <a:buFont typeface="Wingdings" panose="05000000000000000000" pitchFamily="2" charset="2"/>
-              <a:buChar char=""/>
-            </a:pPr>
-            <a:r>
-              <a:rPr lang="en-US" altLang="ko-KR" b="1" dirty="0" smtClean="0">
-                <a:solidFill>
-                  <a:srgbClr val="C00000"/>
-                </a:solidFill>
-                <a:latin typeface="Arial" panose="020B0604020202020204" pitchFamily="34" charset="0"/>
-                <a:cs typeface="Arial" panose="020B0604020202020204" pitchFamily="34" charset="0"/>
-                <a:sym typeface="Wingdings" panose="05000000000000000000" pitchFamily="2" charset="2"/>
-              </a:rPr>
-              <a:t>Data Analysis: </a:t>
-            </a:r>
-            <a:r>
-              <a:rPr lang="en-US" altLang="ko-KR" dirty="0" smtClean="0">
-                <a:latin typeface="Arial" panose="020B0604020202020204" pitchFamily="34" charset="0"/>
-                <a:cs typeface="Arial" panose="020B0604020202020204" pitchFamily="34" charset="0"/>
-                <a:sym typeface="Wingdings" panose="05000000000000000000" pitchFamily="2" charset="2"/>
-              </a:rPr>
-              <a:t>Analyzing and modeling data using statistical techniques, (computational) learning techniques, querying, etc.</a:t>
-            </a:r>
-          </a:p>
-          <a:p>
-            <a:pPr marL="1200150" lvl="2" indent="-285750" algn="just">
-              <a:buFontTx/>
-              <a:buChar char="-"/>
-            </a:pPr>
-            <a:r>
-              <a:rPr lang="en-US" altLang="ko-KR" dirty="0" smtClean="0">
-                <a:latin typeface="Arial" panose="020B0604020202020204" pitchFamily="34" charset="0"/>
-                <a:cs typeface="Arial" panose="020B0604020202020204" pitchFamily="34" charset="0"/>
-                <a:sym typeface="Wingdings" panose="05000000000000000000" pitchFamily="2" charset="2"/>
-              </a:rPr>
-              <a:t>Recognizing “patterns” from dataset</a:t>
-            </a:r>
-          </a:p>
-          <a:p>
-            <a:pPr marL="1200150" lvl="2" indent="-285750" algn="just">
-              <a:buFontTx/>
-              <a:buChar char="-"/>
-            </a:pPr>
-            <a:r>
-              <a:rPr lang="en-US" altLang="ko-KR" dirty="0" smtClean="0">
-                <a:latin typeface="Arial" panose="020B0604020202020204" pitchFamily="34" charset="0"/>
-                <a:cs typeface="Arial" panose="020B0604020202020204" pitchFamily="34" charset="0"/>
-                <a:sym typeface="Wingdings" panose="05000000000000000000" pitchFamily="2" charset="2"/>
-              </a:rPr>
-              <a:t>Machine learning: giving computers “the ability to learn without being explicitly programmed”</a:t>
-            </a:r>
-            <a:endParaRPr lang="ko-KR" altLang="en-US" dirty="0">
-              <a:latin typeface="Arial" panose="020B0604020202020204" pitchFamily="34" charset="0"/>
-              <a:cs typeface="Arial" panose="020B0604020202020204" pitchFamily="34" charset="0"/>
-            </a:endParaRPr>
-          </a:p>
-        </p:txBody>
-      </p:sp>
       <p:pic>
         <p:nvPicPr>
-          <p:cNvPr id="3074" name="Picture 2" descr="https://upload.wikimedia.org/wikipedia/commons/2/2a/Svm_max_sep_hyperplane_with_margin.png"/>
+          <p:cNvPr id="2050" name="Picture 2" descr="https://upload.wikimedia.org/wikipedia/commons/thumb/b/b9/CRISP-DM_Process_Diagram.png/1024px-CRISP-DM_Process_Diagram.png"/>
           <p:cNvPicPr>
             <a:picLocks noChangeAspect="1" noChangeArrowheads="1"/>
           </p:cNvPicPr>
           <p:nvPr/>
         </p:nvPicPr>
         <p:blipFill>
-          <a:blip r:embed="rId2" cstate="print">
+          <a:blip r:embed="rId3">
             <a:extLst>
               <a:ext uri="{28A0092B-C50C-407E-A947-70E740481C1C}">
                 <a14:useLocalDpi xmlns:a14="http://schemas.microsoft.com/office/drawing/2010/main" val="0"/>
@@ -4592,8 +4466,8 @@
         </p:blipFill>
         <p:spPr bwMode="auto">
           <a:xfrm>
-            <a:off x="3053201" y="3242438"/>
-            <a:ext cx="3024922" cy="3259353"/>
+            <a:off x="2220845" y="1628725"/>
+            <a:ext cx="4736826" cy="4746078"/>
           </a:xfrm>
           <a:prstGeom prst="rect">
             <a:avLst/>
@@ -4612,13 +4486,13 @@
       </p:pic>
       <p:sp>
         <p:nvSpPr>
-          <p:cNvPr id="10" name="TextBox 9"/>
+          <p:cNvPr id="7" name="TextBox 6"/>
           <p:cNvSpPr txBox="1"/>
           <p:nvPr/>
         </p:nvSpPr>
         <p:spPr>
           <a:xfrm>
-            <a:off x="25878" y="6530975"/>
+            <a:off x="25878" y="6501791"/>
             <a:ext cx="8626404" cy="246221"/>
           </a:xfrm>
           <a:prstGeom prst="rect">
@@ -4673,7 +4547,7 @@
                 <a:cs typeface="Arial" panose="020B0604020202020204" pitchFamily="34" charset="0"/>
                 <a:sym typeface="Wingdings" panose="05000000000000000000" pitchFamily="2" charset="2"/>
               </a:rPr>
-              <a:t>https://upload.wikimedia.org/wikipedia/commons/2/2a/Svm_max_sep_hyperplane_with_margin.png</a:t>
+              <a:t>https://upload.wikimedia.org/wikipedia/commons/thumb/b/b9/CRISP-DM_Process_Diagram.png/1024px-CRISP-DM_Process_Diagram.png</a:t>
             </a:r>
             <a:endParaRPr lang="ko-KR" altLang="en-US" sz="1000" dirty="0">
               <a:solidFill>
@@ -4691,7 +4565,7 @@
     </p:spTree>
     <p:extLst>
       <p:ext uri="{BB962C8B-B14F-4D97-AF65-F5344CB8AC3E}">
-        <p14:creationId xmlns:p14="http://schemas.microsoft.com/office/powerpoint/2010/main" val="189127614"/>
+        <p14:creationId xmlns:p14="http://schemas.microsoft.com/office/powerpoint/2010/main" val="169484986"/>
       </p:ext>
     </p:extLst>
   </p:cSld>
@@ -4858,7 +4732,7 @@
                 <a:cs typeface="Arial" panose="020B0604020202020204" pitchFamily="34" charset="0"/>
                 <a:sym typeface="Wingdings" panose="05000000000000000000" pitchFamily="2" charset="2"/>
               </a:rPr>
-              <a:t> Related techniques &amp; methodologies</a:t>
+              <a:t> Cross-industry standard process for data mining (CRISP-DM)</a:t>
             </a:r>
             <a:endParaRPr lang="ko-KR" altLang="en-US" sz="2000" dirty="0">
               <a:solidFill>
@@ -4927,14 +4801,14 @@
       </p:sp>
       <p:sp>
         <p:nvSpPr>
-          <p:cNvPr id="8" name="TextBox 7"/>
+          <p:cNvPr id="7" name="TextBox 6"/>
           <p:cNvSpPr txBox="1"/>
           <p:nvPr/>
         </p:nvSpPr>
         <p:spPr>
           <a:xfrm>
-            <a:off x="276056" y="1648016"/>
-            <a:ext cx="8626404" cy="1754326"/>
+            <a:off x="25878" y="6501791"/>
+            <a:ext cx="8626404" cy="246221"/>
           </a:xfrm>
           <a:prstGeom prst="rect">
             <a:avLst/>
@@ -4947,103 +4821,9 @@
           </a:bodyPr>
           <a:lstStyle/>
           <a:p>
-            <a:pPr marL="800100" lvl="1" indent="-342900" algn="just">
-              <a:buFont typeface="Wingdings" panose="05000000000000000000" pitchFamily="2" charset="2"/>
-              <a:buChar char=""/>
-            </a:pPr>
-            <a:r>
-              <a:rPr lang="en-US" altLang="ko-KR" b="1" dirty="0" smtClean="0">
-                <a:solidFill>
-                  <a:srgbClr val="C00000"/>
-                </a:solidFill>
-                <a:latin typeface="Arial" panose="020B0604020202020204" pitchFamily="34" charset="0"/>
-                <a:cs typeface="Arial" panose="020B0604020202020204" pitchFamily="34" charset="0"/>
-                <a:sym typeface="Wingdings" panose="05000000000000000000" pitchFamily="2" charset="2"/>
-              </a:rPr>
-              <a:t>Interpretation &amp; Application: </a:t>
-            </a:r>
-            <a:r>
-              <a:rPr lang="en-US" altLang="ko-KR" dirty="0" smtClean="0">
-                <a:latin typeface="Arial" panose="020B0604020202020204" pitchFamily="34" charset="0"/>
-                <a:cs typeface="Arial" panose="020B0604020202020204" pitchFamily="34" charset="0"/>
-                <a:sym typeface="Wingdings" panose="05000000000000000000" pitchFamily="2" charset="2"/>
-              </a:rPr>
-              <a:t>Interpreting and applying the results in business context is more important than modeling and analysis itself</a:t>
-            </a:r>
-          </a:p>
-          <a:p>
-            <a:pPr marL="1200150" lvl="2" indent="-285750" algn="just">
-              <a:buFontTx/>
-              <a:buChar char="-"/>
-            </a:pPr>
-            <a:r>
-              <a:rPr lang="en-US" altLang="ko-KR" dirty="0" smtClean="0">
-                <a:latin typeface="Arial" panose="020B0604020202020204" pitchFamily="34" charset="0"/>
-                <a:cs typeface="Arial" panose="020B0604020202020204" pitchFamily="34" charset="0"/>
-                <a:sym typeface="Wingdings" panose="05000000000000000000" pitchFamily="2" charset="2"/>
-              </a:rPr>
-              <a:t>Objectives and metrics for DM project should be clarified at outset</a:t>
-            </a:r>
-          </a:p>
-          <a:p>
-            <a:pPr marL="1200150" lvl="2" indent="-285750" algn="just">
-              <a:buFontTx/>
-              <a:buChar char="-"/>
-            </a:pPr>
-            <a:r>
-              <a:rPr lang="en-US" altLang="ko-KR" dirty="0" smtClean="0">
-                <a:latin typeface="Arial" panose="020B0604020202020204" pitchFamily="34" charset="0"/>
-                <a:cs typeface="Arial" panose="020B0604020202020204" pitchFamily="34" charset="0"/>
-                <a:sym typeface="Wingdings" panose="05000000000000000000" pitchFamily="2" charset="2"/>
-              </a:rPr>
-              <a:t>Extracting insights from results is crucial! Keep focusing on business impact!</a:t>
-            </a:r>
-          </a:p>
-          <a:p>
-            <a:pPr marL="1200150" lvl="2" indent="-285750" algn="just">
-              <a:buFontTx/>
-              <a:buChar char="-"/>
-            </a:pPr>
-            <a:r>
-              <a:rPr lang="en-US" altLang="ko-KR" dirty="0" smtClean="0">
-                <a:latin typeface="Arial" panose="020B0604020202020204" pitchFamily="34" charset="0"/>
-                <a:cs typeface="Arial" panose="020B0604020202020204" pitchFamily="34" charset="0"/>
-                <a:sym typeface="Wingdings" panose="05000000000000000000" pitchFamily="2" charset="2"/>
-              </a:rPr>
-              <a:t>Engineer vs. Data analyst</a:t>
-            </a:r>
-            <a:endParaRPr lang="ko-KR" altLang="en-US" dirty="0">
-              <a:latin typeface="Arial" panose="020B0604020202020204" pitchFamily="34" charset="0"/>
-              <a:cs typeface="Arial" panose="020B0604020202020204" pitchFamily="34" charset="0"/>
-            </a:endParaRPr>
-          </a:p>
-        </p:txBody>
-      </p:sp>
-      <p:sp>
-        <p:nvSpPr>
-          <p:cNvPr id="10" name="TextBox 9"/>
-          <p:cNvSpPr txBox="1"/>
-          <p:nvPr/>
-        </p:nvSpPr>
-        <p:spPr>
-          <a:xfrm>
-            <a:off x="25878" y="6530975"/>
-            <a:ext cx="8626404" cy="246221"/>
-          </a:xfrm>
-          <a:prstGeom prst="rect">
-            <a:avLst/>
-          </a:prstGeom>
-          <a:noFill/>
-        </p:spPr>
-        <p:txBody>
-          <a:bodyPr wrap="square" rtlCol="0">
-            <a:spAutoFit/>
-          </a:bodyPr>
-          <a:lstStyle/>
-          <a:p>
             <a:pPr algn="just"/>
             <a:r>
-              <a:rPr lang="en-US" altLang="ko-KR" sz="1000" dirty="0" err="1" smtClean="0">
+              <a:rPr lang="en-US" altLang="ko-KR" sz="1000" dirty="0">
                 <a:solidFill>
                   <a:schemeClr val="tx1">
                     <a:lumMod val="75000"/>
@@ -5054,35 +4834,7 @@
                 <a:cs typeface="Arial" panose="020B0604020202020204" pitchFamily="34" charset="0"/>
                 <a:sym typeface="Wingdings" panose="05000000000000000000" pitchFamily="2" charset="2"/>
               </a:rPr>
-              <a:t>src</a:t>
-            </a:r>
-            <a:r>
-              <a:rPr lang="en-US" altLang="ko-KR" sz="1000" dirty="0" smtClean="0">
-                <a:solidFill>
-                  <a:schemeClr val="tx1">
-                    <a:lumMod val="75000"/>
-                    <a:lumOff val="25000"/>
-                  </a:schemeClr>
-                </a:solidFill>
-                <a:latin typeface="Arial" panose="020B0604020202020204" pitchFamily="34" charset="0"/>
-                <a:cs typeface="Arial" panose="020B0604020202020204" pitchFamily="34" charset="0"/>
-                <a:sym typeface="Wingdings" panose="05000000000000000000" pitchFamily="2" charset="2"/>
-              </a:rPr>
-              <a:t>: </a:t>
-            </a:r>
-            <a:r>
-              <a:rPr lang="en-US" altLang="ko-KR" sz="1000" dirty="0">
-                <a:solidFill>
-                  <a:schemeClr val="tx1">
-                    <a:lumMod val="75000"/>
-                    <a:lumOff val="25000"/>
-                  </a:schemeClr>
-                </a:solidFill>
-                <a:latin typeface="Arial" panose="020B0604020202020204" pitchFamily="34" charset="0"/>
-                <a:cs typeface="Arial" panose="020B0604020202020204" pitchFamily="34" charset="0"/>
-                <a:sym typeface="Wingdings" panose="05000000000000000000" pitchFamily="2" charset="2"/>
-              </a:rPr>
-              <a:t>https://smartprimaryed.files.wordpress.com/2014/12/chaplowe2.jpg?w=788</a:t>
+              <a:t>Reference: https://en.wikipedia.org/wiki/Cross-industry_standard_process_for_data_mining</a:t>
             </a:r>
             <a:endParaRPr lang="ko-KR" altLang="en-US" sz="1000" dirty="0">
               <a:solidFill>
@@ -5097,51 +4849,329 @@
           </a:p>
         </p:txBody>
       </p:sp>
-      <p:pic>
-        <p:nvPicPr>
-          <p:cNvPr id="6146" name="Picture 2" descr="관련 이미지"/>
-          <p:cNvPicPr>
-            <a:picLocks noChangeAspect="1" noChangeArrowheads="1"/>
-          </p:cNvPicPr>
+      <p:sp>
+        <p:nvSpPr>
+          <p:cNvPr id="8" name="TextBox 7"/>
+          <p:cNvSpPr txBox="1"/>
           <p:nvPr/>
-        </p:nvPicPr>
-        <p:blipFill>
-          <a:blip r:embed="rId3">
-            <a:extLst>
-              <a:ext uri="{28A0092B-C50C-407E-A947-70E740481C1C}">
-                <a14:useLocalDpi xmlns:a14="http://schemas.microsoft.com/office/drawing/2010/main" val="0"/>
-              </a:ext>
-            </a:extLst>
-          </a:blip>
-          <a:srcRect/>
-          <a:stretch>
-            <a:fillRect/>
-          </a:stretch>
-        </p:blipFill>
-        <p:spPr bwMode="auto">
-          <a:xfrm>
-            <a:off x="2889115" y="3764659"/>
-            <a:ext cx="3211073" cy="2332254"/>
+        </p:nvSpPr>
+        <p:spPr>
+          <a:xfrm>
+            <a:off x="276056" y="1648016"/>
+            <a:ext cx="8626404" cy="4801314"/>
           </a:xfrm>
           <a:prstGeom prst="rect">
             <a:avLst/>
           </a:prstGeom>
           <a:noFill/>
-          <a:extLst>
-            <a:ext uri="{909E8E84-426E-40DD-AFC4-6F175D3DCCD1}">
-              <a14:hiddenFill xmlns:a14="http://schemas.microsoft.com/office/drawing/2010/main">
-                <a:solidFill>
-                  <a:srgbClr val="FFFFFF"/>
-                </a:solidFill>
-              </a14:hiddenFill>
-            </a:ext>
-          </a:extLst>
-        </p:spPr>
-      </p:pic>
+        </p:spPr>
+        <p:txBody>
+          <a:bodyPr wrap="square" rtlCol="0">
+            <a:spAutoFit/>
+          </a:bodyPr>
+          <a:lstStyle/>
+          <a:p>
+            <a:pPr marL="800100" lvl="1" indent="-342900" algn="just">
+              <a:buFont typeface="Wingdings" panose="05000000000000000000" pitchFamily="2" charset="2"/>
+              <a:buChar char=""/>
+            </a:pPr>
+            <a:r>
+              <a:rPr lang="en-US" altLang="ko-KR" b="1" dirty="0" smtClean="0">
+                <a:solidFill>
+                  <a:srgbClr val="C00000"/>
+                </a:solidFill>
+                <a:latin typeface="Arial" panose="020B0604020202020204" pitchFamily="34" charset="0"/>
+                <a:cs typeface="Arial" panose="020B0604020202020204" pitchFamily="34" charset="0"/>
+                <a:sym typeface="Wingdings" panose="05000000000000000000" pitchFamily="2" charset="2"/>
+              </a:rPr>
+              <a:t>Business understanding</a:t>
+            </a:r>
+            <a:r>
+              <a:rPr lang="en-US" altLang="ko-KR" dirty="0" smtClean="0">
+                <a:solidFill>
+                  <a:srgbClr val="C00000"/>
+                </a:solidFill>
+                <a:latin typeface="Arial" panose="020B0604020202020204" pitchFamily="34" charset="0"/>
+                <a:cs typeface="Arial" panose="020B0604020202020204" pitchFamily="34" charset="0"/>
+                <a:sym typeface="Wingdings" panose="05000000000000000000" pitchFamily="2" charset="2"/>
+              </a:rPr>
+              <a:t>: </a:t>
+            </a:r>
+            <a:r>
+              <a:rPr lang="en-US" altLang="ko-KR" dirty="0" smtClean="0">
+                <a:solidFill>
+                  <a:schemeClr val="tx1">
+                    <a:lumMod val="75000"/>
+                    <a:lumOff val="25000"/>
+                  </a:schemeClr>
+                </a:solidFill>
+                <a:latin typeface="Arial" panose="020B0604020202020204" pitchFamily="34" charset="0"/>
+                <a:cs typeface="Arial" panose="020B0604020202020204" pitchFamily="34" charset="0"/>
+                <a:sym typeface="Wingdings" panose="05000000000000000000" pitchFamily="2" charset="2"/>
+              </a:rPr>
+              <a:t>understanding the project objectives and requirements from a business perspective, and then converting this knowledge into a data mining problem definition, and a preliminary plan designed to achieve objectives</a:t>
+            </a:r>
+          </a:p>
+          <a:p>
+            <a:pPr marL="800100" lvl="1" indent="-342900" algn="just">
+              <a:buFont typeface="Wingdings" panose="05000000000000000000" pitchFamily="2" charset="2"/>
+              <a:buChar char=""/>
+            </a:pPr>
+            <a:r>
+              <a:rPr lang="en-US" altLang="ko-KR" b="1" dirty="0">
+                <a:solidFill>
+                  <a:srgbClr val="C00000"/>
+                </a:solidFill>
+                <a:latin typeface="Arial" panose="020B0604020202020204" pitchFamily="34" charset="0"/>
+                <a:cs typeface="Arial" panose="020B0604020202020204" pitchFamily="34" charset="0"/>
+                <a:sym typeface="Wingdings" panose="05000000000000000000" pitchFamily="2" charset="2"/>
+              </a:rPr>
+              <a:t>Data understanding</a:t>
+            </a:r>
+            <a:r>
+              <a:rPr lang="en-US" altLang="ko-KR" dirty="0">
+                <a:solidFill>
+                  <a:srgbClr val="C00000"/>
+                </a:solidFill>
+                <a:latin typeface="Arial" panose="020B0604020202020204" pitchFamily="34" charset="0"/>
+                <a:cs typeface="Arial" panose="020B0604020202020204" pitchFamily="34" charset="0"/>
+                <a:sym typeface="Wingdings" panose="05000000000000000000" pitchFamily="2" charset="2"/>
+              </a:rPr>
+              <a:t>: </a:t>
+            </a:r>
+            <a:r>
+              <a:rPr lang="en-US" altLang="ko-KR" dirty="0">
+                <a:solidFill>
+                  <a:schemeClr val="tx1">
+                    <a:lumMod val="75000"/>
+                    <a:lumOff val="25000"/>
+                  </a:schemeClr>
+                </a:solidFill>
+                <a:latin typeface="Arial" panose="020B0604020202020204" pitchFamily="34" charset="0"/>
+                <a:cs typeface="Arial" panose="020B0604020202020204" pitchFamily="34" charset="0"/>
+                <a:sym typeface="Wingdings" panose="05000000000000000000" pitchFamily="2" charset="2"/>
+              </a:rPr>
+              <a:t>starts with an initial data collection and proceeds with activities in order to get familiar with the data, to identify data quality problems, to discover first insights into the data, or to detect interesting subsets to form hypotheses for hidden </a:t>
+            </a:r>
+            <a:r>
+              <a:rPr lang="en-US" altLang="ko-KR" dirty="0" smtClean="0">
+                <a:solidFill>
+                  <a:schemeClr val="tx1">
+                    <a:lumMod val="75000"/>
+                    <a:lumOff val="25000"/>
+                  </a:schemeClr>
+                </a:solidFill>
+                <a:latin typeface="Arial" panose="020B0604020202020204" pitchFamily="34" charset="0"/>
+                <a:cs typeface="Arial" panose="020B0604020202020204" pitchFamily="34" charset="0"/>
+                <a:sym typeface="Wingdings" panose="05000000000000000000" pitchFamily="2" charset="2"/>
+              </a:rPr>
+              <a:t>information</a:t>
+            </a:r>
+          </a:p>
+          <a:p>
+            <a:pPr marL="800100" lvl="1" indent="-342900" algn="just">
+              <a:buFont typeface="Wingdings" panose="05000000000000000000" pitchFamily="2" charset="2"/>
+              <a:buChar char=""/>
+            </a:pPr>
+            <a:r>
+              <a:rPr lang="en-US" altLang="ko-KR" b="1" dirty="0" smtClean="0">
+                <a:solidFill>
+                  <a:srgbClr val="C00000"/>
+                </a:solidFill>
+                <a:latin typeface="Arial" panose="020B0604020202020204" pitchFamily="34" charset="0"/>
+                <a:cs typeface="Arial" panose="020B0604020202020204" pitchFamily="34" charset="0"/>
+                <a:sym typeface="Wingdings" panose="05000000000000000000" pitchFamily="2" charset="2"/>
+              </a:rPr>
+              <a:t>Data preparation</a:t>
+            </a:r>
+            <a:r>
+              <a:rPr lang="en-US" altLang="ko-KR" b="1" dirty="0">
+                <a:solidFill>
+                  <a:srgbClr val="C00000"/>
+                </a:solidFill>
+                <a:latin typeface="Arial" panose="020B0604020202020204" pitchFamily="34" charset="0"/>
+                <a:cs typeface="Arial" panose="020B0604020202020204" pitchFamily="34" charset="0"/>
+                <a:sym typeface="Wingdings" panose="05000000000000000000" pitchFamily="2" charset="2"/>
+              </a:rPr>
+              <a:t>: </a:t>
+            </a:r>
+            <a:r>
+              <a:rPr lang="en-US" altLang="ko-KR" dirty="0">
+                <a:solidFill>
+                  <a:schemeClr val="tx1">
+                    <a:lumMod val="75000"/>
+                    <a:lumOff val="25000"/>
+                  </a:schemeClr>
+                </a:solidFill>
+                <a:latin typeface="Arial" panose="020B0604020202020204" pitchFamily="34" charset="0"/>
+                <a:cs typeface="Arial" panose="020B0604020202020204" pitchFamily="34" charset="0"/>
+                <a:sym typeface="Wingdings" panose="05000000000000000000" pitchFamily="2" charset="2"/>
+              </a:rPr>
+              <a:t>all activities to construct the final dataset (data that will be fed into the modeling tool(s)) from the initial raw data</a:t>
+            </a:r>
+            <a:r>
+              <a:rPr lang="en-US" altLang="ko-KR" dirty="0" smtClean="0">
+                <a:solidFill>
+                  <a:schemeClr val="tx1">
+                    <a:lumMod val="75000"/>
+                    <a:lumOff val="25000"/>
+                  </a:schemeClr>
+                </a:solidFill>
+                <a:latin typeface="Arial" panose="020B0604020202020204" pitchFamily="34" charset="0"/>
+                <a:cs typeface="Arial" panose="020B0604020202020204" pitchFamily="34" charset="0"/>
+                <a:sym typeface="Wingdings" panose="05000000000000000000" pitchFamily="2" charset="2"/>
+              </a:rPr>
+              <a:t>.</a:t>
+            </a:r>
+          </a:p>
+          <a:p>
+            <a:pPr marL="800100" lvl="1" indent="-342900" algn="just">
+              <a:buFont typeface="Wingdings" panose="05000000000000000000" pitchFamily="2" charset="2"/>
+              <a:buChar char=""/>
+            </a:pPr>
+            <a:r>
+              <a:rPr lang="en-US" altLang="ko-KR" b="1" dirty="0">
+                <a:solidFill>
+                  <a:srgbClr val="C00000"/>
+                </a:solidFill>
+                <a:latin typeface="Arial" panose="020B0604020202020204" pitchFamily="34" charset="0"/>
+                <a:cs typeface="Arial" panose="020B0604020202020204" pitchFamily="34" charset="0"/>
+                <a:sym typeface="Wingdings" panose="05000000000000000000" pitchFamily="2" charset="2"/>
+              </a:rPr>
+              <a:t>Modeling: </a:t>
+            </a:r>
+            <a:r>
+              <a:rPr lang="en-US" altLang="ko-KR" dirty="0">
+                <a:solidFill>
+                  <a:schemeClr val="tx1">
+                    <a:lumMod val="75000"/>
+                    <a:lumOff val="25000"/>
+                  </a:schemeClr>
+                </a:solidFill>
+                <a:latin typeface="Arial" panose="020B0604020202020204" pitchFamily="34" charset="0"/>
+                <a:cs typeface="Arial" panose="020B0604020202020204" pitchFamily="34" charset="0"/>
+                <a:sym typeface="Wingdings" panose="05000000000000000000" pitchFamily="2" charset="2"/>
+              </a:rPr>
+              <a:t>various modeling techniques are selected and applied, and their parameters are calibrated to optimal values. </a:t>
+            </a:r>
+            <a:endParaRPr lang="en-US" altLang="ko-KR" dirty="0" smtClean="0">
+              <a:solidFill>
+                <a:schemeClr val="tx1">
+                  <a:lumMod val="75000"/>
+                  <a:lumOff val="25000"/>
+                </a:schemeClr>
+              </a:solidFill>
+              <a:latin typeface="Arial" panose="020B0604020202020204" pitchFamily="34" charset="0"/>
+              <a:cs typeface="Arial" panose="020B0604020202020204" pitchFamily="34" charset="0"/>
+              <a:sym typeface="Wingdings" panose="05000000000000000000" pitchFamily="2" charset="2"/>
+            </a:endParaRPr>
+          </a:p>
+          <a:p>
+            <a:pPr marL="800100" lvl="1" indent="-342900" algn="just">
+              <a:buFont typeface="Wingdings" panose="05000000000000000000" pitchFamily="2" charset="2"/>
+              <a:buChar char=""/>
+            </a:pPr>
+            <a:r>
+              <a:rPr lang="en-US" altLang="ko-KR" b="1" dirty="0">
+                <a:solidFill>
+                  <a:srgbClr val="C00000"/>
+                </a:solidFill>
+                <a:latin typeface="Arial" panose="020B0604020202020204" pitchFamily="34" charset="0"/>
+                <a:cs typeface="Arial" panose="020B0604020202020204" pitchFamily="34" charset="0"/>
+                <a:sym typeface="Wingdings" panose="05000000000000000000" pitchFamily="2" charset="2"/>
+              </a:rPr>
+              <a:t>Evaluation:</a:t>
+            </a:r>
+            <a:r>
+              <a:rPr lang="en-US" altLang="ko-KR" dirty="0">
+                <a:solidFill>
+                  <a:schemeClr val="tx1">
+                    <a:lumMod val="75000"/>
+                    <a:lumOff val="25000"/>
+                  </a:schemeClr>
+                </a:solidFill>
+                <a:latin typeface="Arial" panose="020B0604020202020204" pitchFamily="34" charset="0"/>
+                <a:cs typeface="Arial" panose="020B0604020202020204" pitchFamily="34" charset="0"/>
+                <a:sym typeface="Wingdings" panose="05000000000000000000" pitchFamily="2" charset="2"/>
+              </a:rPr>
+              <a:t> thoroughly evaluate the model, and review the steps executed to construct the model, to be certain it properly achieves the business </a:t>
+            </a:r>
+            <a:r>
+              <a:rPr lang="en-US" altLang="ko-KR" dirty="0" smtClean="0">
+                <a:solidFill>
+                  <a:schemeClr val="tx1">
+                    <a:lumMod val="75000"/>
+                    <a:lumOff val="25000"/>
+                  </a:schemeClr>
+                </a:solidFill>
+                <a:latin typeface="Arial" panose="020B0604020202020204" pitchFamily="34" charset="0"/>
+                <a:cs typeface="Arial" panose="020B0604020202020204" pitchFamily="34" charset="0"/>
+                <a:sym typeface="Wingdings" panose="05000000000000000000" pitchFamily="2" charset="2"/>
+              </a:rPr>
+              <a:t>objectives</a:t>
+            </a:r>
+          </a:p>
+          <a:p>
+            <a:pPr marL="800100" lvl="1" indent="-342900" algn="just">
+              <a:buFont typeface="Wingdings" panose="05000000000000000000" pitchFamily="2" charset="2"/>
+              <a:buChar char=""/>
+            </a:pPr>
+            <a:r>
+              <a:rPr lang="en-US" altLang="ko-KR" b="1" dirty="0">
+                <a:solidFill>
+                  <a:srgbClr val="C00000"/>
+                </a:solidFill>
+                <a:latin typeface="Arial" panose="020B0604020202020204" pitchFamily="34" charset="0"/>
+                <a:cs typeface="Arial" panose="020B0604020202020204" pitchFamily="34" charset="0"/>
+                <a:sym typeface="Wingdings" panose="05000000000000000000" pitchFamily="2" charset="2"/>
+              </a:rPr>
+              <a:t>Deployment:</a:t>
+            </a:r>
+            <a:r>
+              <a:rPr lang="en-US" altLang="ko-KR" dirty="0" smtClean="0">
+                <a:solidFill>
+                  <a:schemeClr val="tx1">
+                    <a:lumMod val="75000"/>
+                    <a:lumOff val="25000"/>
+                  </a:schemeClr>
+                </a:solidFill>
+                <a:latin typeface="Arial" panose="020B0604020202020204" pitchFamily="34" charset="0"/>
+                <a:cs typeface="Arial" panose="020B0604020202020204" pitchFamily="34" charset="0"/>
+                <a:sym typeface="Wingdings" panose="05000000000000000000" pitchFamily="2" charset="2"/>
+              </a:rPr>
+              <a:t> the </a:t>
+            </a:r>
+            <a:r>
+              <a:rPr lang="en-US" altLang="ko-KR" dirty="0">
+                <a:solidFill>
+                  <a:schemeClr val="tx1">
+                    <a:lumMod val="75000"/>
+                    <a:lumOff val="25000"/>
+                  </a:schemeClr>
+                </a:solidFill>
+                <a:latin typeface="Arial" panose="020B0604020202020204" pitchFamily="34" charset="0"/>
+                <a:cs typeface="Arial" panose="020B0604020202020204" pitchFamily="34" charset="0"/>
+                <a:sym typeface="Wingdings" panose="05000000000000000000" pitchFamily="2" charset="2"/>
+              </a:rPr>
+              <a:t>knowledge gained will need to be organized and presented in a way that is useful to the customer</a:t>
+            </a:r>
+            <a:endParaRPr lang="ko-KR" altLang="en-US" dirty="0">
+              <a:solidFill>
+                <a:schemeClr val="tx1">
+                  <a:lumMod val="75000"/>
+                  <a:lumOff val="25000"/>
+                </a:schemeClr>
+              </a:solidFill>
+              <a:latin typeface="Arial" panose="020B0604020202020204" pitchFamily="34" charset="0"/>
+              <a:cs typeface="Arial" panose="020B0604020202020204" pitchFamily="34" charset="0"/>
+            </a:endParaRPr>
+          </a:p>
+        </p:txBody>
+      </p:sp>
     </p:spTree>
     <p:extLst>
       <p:ext uri="{BB962C8B-B14F-4D97-AF65-F5344CB8AC3E}">
-        <p14:creationId xmlns:p14="http://schemas.microsoft.com/office/powerpoint/2010/main" val="754827920"/>
+        <p14:creationId xmlns:p14="http://schemas.microsoft.com/office/powerpoint/2010/main" val="1528356692"/>
       </p:ext>
     </p:extLst>
   </p:cSld>
@@ -5214,7 +5244,7 @@
         <p:spPr>
           <a:xfrm>
             <a:off x="741880" y="129720"/>
-            <a:ext cx="3781805" cy="584775"/>
+            <a:ext cx="3966150" cy="584775"/>
           </a:xfrm>
           <a:prstGeom prst="rect">
             <a:avLst/>
@@ -5248,7 +5278,7 @@
                 <a:latin typeface="Arial" panose="020B0604020202020204" pitchFamily="34" charset="0"/>
                 <a:cs typeface="Arial" panose="020B0604020202020204" pitchFamily="34" charset="0"/>
               </a:rPr>
-              <a:t>Focus of the course</a:t>
+              <a:t>Data Mining Process</a:t>
             </a:r>
             <a:endParaRPr lang="ko-KR" altLang="en-US" sz="3200" dirty="0">
               <a:gradFill flip="none" rotWithShape="1">
@@ -5281,7 +5311,7 @@
         </p:nvSpPr>
         <p:spPr>
           <a:xfrm>
-            <a:off x="276056" y="2596934"/>
+            <a:off x="276056" y="1101628"/>
             <a:ext cx="8626404" cy="400110"/>
           </a:xfrm>
           <a:prstGeom prst="rect">
@@ -5308,21 +5338,7 @@
                 <a:cs typeface="Arial" panose="020B0604020202020204" pitchFamily="34" charset="0"/>
                 <a:sym typeface="Wingdings" panose="05000000000000000000" pitchFamily="2" charset="2"/>
               </a:rPr>
-              <a:t> </a:t>
-            </a:r>
-            <a:r>
-              <a:rPr lang="en-US" altLang="ko-KR" sz="2000" dirty="0" smtClean="0">
-                <a:solidFill>
-                  <a:schemeClr val="tx1">
-                    <a:lumMod val="75000"/>
-                    <a:lumOff val="25000"/>
-                  </a:schemeClr>
-                </a:solidFill>
-                <a:latin typeface="Arial" panose="020B0604020202020204" pitchFamily="34" charset="0"/>
-                <a:cs typeface="Arial" panose="020B0604020202020204" pitchFamily="34" charset="0"/>
-                <a:sym typeface="Wingdings" panose="05000000000000000000" pitchFamily="2" charset="2"/>
-              </a:rPr>
-              <a:t>Technique + Business Insight</a:t>
+              <a:t> Related techniques &amp; methodologies</a:t>
             </a:r>
             <a:endParaRPr lang="ko-KR" altLang="en-US" sz="2000" dirty="0">
               <a:solidFill>
@@ -5397,8 +5413,8 @@
         </p:nvSpPr>
         <p:spPr>
           <a:xfrm>
-            <a:off x="276056" y="3143322"/>
-            <a:ext cx="8626404" cy="646331"/>
+            <a:off x="276056" y="1648016"/>
+            <a:ext cx="8626404" cy="1477328"/>
           </a:xfrm>
           <a:prstGeom prst="rect">
             <a:avLst/>
@@ -5416,61 +5432,215 @@
               <a:buChar char=""/>
             </a:pPr>
             <a:r>
+              <a:rPr lang="en-US" altLang="ko-KR" b="1" dirty="0" smtClean="0">
+                <a:solidFill>
+                  <a:srgbClr val="C00000"/>
+                </a:solidFill>
+                <a:latin typeface="Arial" panose="020B0604020202020204" pitchFamily="34" charset="0"/>
+                <a:cs typeface="Arial" panose="020B0604020202020204" pitchFamily="34" charset="0"/>
+                <a:sym typeface="Wingdings" panose="05000000000000000000" pitchFamily="2" charset="2"/>
+              </a:rPr>
+              <a:t>Data (Pre)processing: </a:t>
+            </a:r>
+            <a:r>
+              <a:rPr lang="en-US" altLang="ko-KR" dirty="0">
+                <a:latin typeface="Arial" panose="020B0604020202020204" pitchFamily="34" charset="0"/>
+                <a:cs typeface="Arial" panose="020B0604020202020204" pitchFamily="34" charset="0"/>
+                <a:sym typeface="Wingdings" panose="05000000000000000000" pitchFamily="2" charset="2"/>
+              </a:rPr>
+              <a:t>key step in DM. Includes cleaning, data reduction, normalization, transformation, feature extraction and selection, etc. </a:t>
+            </a:r>
+            <a:endParaRPr lang="en-US" altLang="ko-KR" dirty="0" smtClean="0">
+              <a:latin typeface="Arial" panose="020B0604020202020204" pitchFamily="34" charset="0"/>
+              <a:cs typeface="Arial" panose="020B0604020202020204" pitchFamily="34" charset="0"/>
+              <a:sym typeface="Wingdings" panose="05000000000000000000" pitchFamily="2" charset="2"/>
+            </a:endParaRPr>
+          </a:p>
+          <a:p>
+            <a:pPr lvl="2" algn="just"/>
+            <a:r>
               <a:rPr lang="en-US" altLang="ko-KR" dirty="0" smtClean="0">
                 <a:latin typeface="Arial" panose="020B0604020202020204" pitchFamily="34" charset="0"/>
                 <a:cs typeface="Arial" panose="020B0604020202020204" pitchFamily="34" charset="0"/>
-              </a:rPr>
-              <a:t>Start with techniques, but not “technique for technique”</a:t>
-            </a:r>
-          </a:p>
+                <a:sym typeface="Wingdings" panose="05000000000000000000" pitchFamily="2" charset="2"/>
+              </a:rPr>
+              <a:t>- “Necessary condition” for gaining insights from data</a:t>
+            </a:r>
+          </a:p>
+          <a:p>
+            <a:pPr lvl="2" algn="just"/>
+            <a:r>
+              <a:rPr lang="en-US" altLang="ko-KR" dirty="0" smtClean="0">
+                <a:latin typeface="Arial" panose="020B0604020202020204" pitchFamily="34" charset="0"/>
+                <a:cs typeface="Arial" panose="020B0604020202020204" pitchFamily="34" charset="0"/>
+                <a:sym typeface="Wingdings" panose="05000000000000000000" pitchFamily="2" charset="2"/>
+              </a:rPr>
+              <a:t>- Heavily performed in data preparation stage, but can be performed in other stages as well</a:t>
+            </a:r>
+            <a:endParaRPr lang="ko-KR" altLang="en-US" dirty="0">
+              <a:latin typeface="Arial" panose="020B0604020202020204" pitchFamily="34" charset="0"/>
+              <a:cs typeface="Arial" panose="020B0604020202020204" pitchFamily="34" charset="0"/>
+            </a:endParaRPr>
+          </a:p>
+        </p:txBody>
+      </p:sp>
+      <p:sp>
+        <p:nvSpPr>
+          <p:cNvPr id="9" name="TextBox 8"/>
+          <p:cNvSpPr txBox="1"/>
+          <p:nvPr/>
+        </p:nvSpPr>
+        <p:spPr>
+          <a:xfrm>
+            <a:off x="276056" y="3423119"/>
+            <a:ext cx="8626404" cy="1200329"/>
+          </a:xfrm>
+          <a:prstGeom prst="rect">
+            <a:avLst/>
+          </a:prstGeom>
+          <a:noFill/>
+        </p:spPr>
+        <p:txBody>
+          <a:bodyPr wrap="square" rtlCol="0">
+            <a:spAutoFit/>
+          </a:bodyPr>
+          <a:lstStyle/>
           <a:p>
             <a:pPr marL="800100" lvl="1" indent="-342900" algn="just">
               <a:buFont typeface="Wingdings" panose="05000000000000000000" pitchFamily="2" charset="2"/>
               <a:buChar char=""/>
             </a:pPr>
             <a:r>
+              <a:rPr lang="en-US" altLang="ko-KR" b="1" dirty="0" smtClean="0">
+                <a:solidFill>
+                  <a:srgbClr val="C00000"/>
+                </a:solidFill>
+                <a:latin typeface="Arial" panose="020B0604020202020204" pitchFamily="34" charset="0"/>
+                <a:cs typeface="Arial" panose="020B0604020202020204" pitchFamily="34" charset="0"/>
+                <a:sym typeface="Wingdings" panose="05000000000000000000" pitchFamily="2" charset="2"/>
+              </a:rPr>
+              <a:t>Data Visualization: </a:t>
+            </a:r>
+            <a:r>
+              <a:rPr lang="en-US" altLang="ko-KR" dirty="0">
+                <a:latin typeface="Arial" panose="020B0604020202020204" pitchFamily="34" charset="0"/>
+                <a:cs typeface="Arial" panose="020B0604020202020204" pitchFamily="34" charset="0"/>
+                <a:sym typeface="Wingdings" panose="05000000000000000000" pitchFamily="2" charset="2"/>
+              </a:rPr>
+              <a:t>techniques used to communicate data or information by encoding it as visual objects (e.g., points , lines or bars) contained in </a:t>
+            </a:r>
+            <a:r>
               <a:rPr lang="en-US" altLang="ko-KR" dirty="0" smtClean="0">
                 <a:latin typeface="Arial" panose="020B0604020202020204" pitchFamily="34" charset="0"/>
                 <a:cs typeface="Arial" panose="020B0604020202020204" pitchFamily="34" charset="0"/>
-              </a:rPr>
-              <a:t>Always remember, it is </a:t>
-            </a:r>
-            <a:r>
-              <a:rPr lang="en-US" altLang="ko-KR" b="1" dirty="0" smtClean="0">
-                <a:solidFill>
-                  <a:schemeClr val="accent2">
-                    <a:lumMod val="75000"/>
-                  </a:schemeClr>
-                </a:solidFill>
-                <a:latin typeface="Arial" panose="020B0604020202020204" pitchFamily="34" charset="0"/>
-                <a:cs typeface="Arial" panose="020B0604020202020204" pitchFamily="34" charset="0"/>
-              </a:rPr>
-              <a:t>business impact </a:t>
+                <a:sym typeface="Wingdings" panose="05000000000000000000" pitchFamily="2" charset="2"/>
+              </a:rPr>
+              <a:t>graphics</a:t>
+            </a:r>
+          </a:p>
+          <a:p>
+            <a:pPr lvl="1" algn="just"/>
+            <a:r>
+              <a:rPr lang="en-US" altLang="ko-KR" dirty="0">
+                <a:latin typeface="Arial" panose="020B0604020202020204" pitchFamily="34" charset="0"/>
+                <a:cs typeface="Arial" panose="020B0604020202020204" pitchFamily="34" charset="0"/>
+                <a:sym typeface="Wingdings" panose="05000000000000000000" pitchFamily="2" charset="2"/>
+              </a:rPr>
+              <a:t>	</a:t>
             </a:r>
             <a:r>
               <a:rPr lang="en-US" altLang="ko-KR" dirty="0" smtClean="0">
                 <a:latin typeface="Arial" panose="020B0604020202020204" pitchFamily="34" charset="0"/>
                 <a:cs typeface="Arial" panose="020B0604020202020204" pitchFamily="34" charset="0"/>
-              </a:rPr>
-              <a:t>that matters!</a:t>
-            </a:r>
-            <a:endParaRPr lang="ko-KR" altLang="en-US" dirty="0">
+                <a:sym typeface="Wingdings" panose="05000000000000000000" pitchFamily="2" charset="2"/>
+              </a:rPr>
+              <a:t>- Goal is to communicate information clearly and efficiently to others</a:t>
+            </a:r>
+            <a:endParaRPr lang="en-US" altLang="ko-KR" dirty="0">
               <a:latin typeface="Arial" panose="020B0604020202020204" pitchFamily="34" charset="0"/>
               <a:cs typeface="Arial" panose="020B0604020202020204" pitchFamily="34" charset="0"/>
+              <a:sym typeface="Wingdings" panose="05000000000000000000" pitchFamily="2" charset="2"/>
             </a:endParaRPr>
           </a:p>
         </p:txBody>
       </p:sp>
-      <p:sp>
-        <p:nvSpPr>
-          <p:cNvPr id="9" name="TextBox 8"/>
+    </p:spTree>
+    <p:extLst>
+      <p:ext uri="{BB962C8B-B14F-4D97-AF65-F5344CB8AC3E}">
+        <p14:creationId xmlns:p14="http://schemas.microsoft.com/office/powerpoint/2010/main" val="3177934127"/>
+      </p:ext>
+    </p:extLst>
+  </p:cSld>
+  <p:clrMapOvr>
+    <a:masterClrMapping/>
+  </p:clrMapOvr>
+  <p:timing>
+    <p:tnLst>
+      <p:par>
+        <p:cTn id="1" dur="indefinite" restart="never" nodeType="tmRoot"/>
+      </p:par>
+    </p:tnLst>
+  </p:timing>
+</p:sld>
+</file>
+
+<file path=ppt/slides/slide14.xml><?xml version="1.0" encoding="utf-8"?>
+<p:sld xmlns:a="http://schemas.openxmlformats.org/drawingml/2006/main" xmlns:r="http://schemas.openxmlformats.org/officeDocument/2006/relationships" xmlns:p="http://schemas.openxmlformats.org/presentationml/2006/main">
+  <p:cSld>
+    <p:bg>
+      <p:bgPr>
+        <a:gradFill flip="none" rotWithShape="1">
+          <a:gsLst>
+            <a:gs pos="0">
+              <a:schemeClr val="bg1">
+                <a:lumMod val="95000"/>
+              </a:schemeClr>
+            </a:gs>
+            <a:gs pos="77000">
+              <a:schemeClr val="bg1">
+                <a:lumMod val="75000"/>
+                <a:alpha val="70000"/>
+              </a:schemeClr>
+            </a:gs>
+            <a:gs pos="100000">
+              <a:schemeClr val="bg1">
+                <a:lumMod val="75000"/>
+                <a:alpha val="70000"/>
+              </a:schemeClr>
+            </a:gs>
+          </a:gsLst>
+          <a:path path="circle">
+            <a:fillToRect l="50000" t="50000" r="50000" b="50000"/>
+          </a:path>
+          <a:tileRect/>
+        </a:gradFill>
+        <a:effectLst/>
+      </p:bgPr>
+    </p:bg>
+    <p:spTree>
+      <p:nvGrpSpPr>
+        <p:cNvPr id="1" name=""/>
+        <p:cNvGrpSpPr/>
+        <p:nvPr/>
+      </p:nvGrpSpPr>
+      <p:grpSpPr>
+        <a:xfrm>
+          <a:off x="0" y="0"/>
+          <a:ext cx="0" cy="0"/>
+          <a:chOff x="0" y="0"/>
+          <a:chExt cx="0" cy="0"/>
+        </a:xfrm>
+      </p:grpSpPr>
+      <p:sp>
+        <p:nvSpPr>
+          <p:cNvPr id="4" name="TextBox 3"/>
           <p:cNvSpPr txBox="1"/>
           <p:nvPr/>
         </p:nvSpPr>
         <p:spPr>
           <a:xfrm>
-            <a:off x="276056" y="1092298"/>
-            <a:ext cx="8626404" cy="400110"/>
+            <a:off x="741880" y="129720"/>
+            <a:ext cx="3966150" cy="584775"/>
           </a:xfrm>
           <a:prstGeom prst="rect">
             <a:avLst/>
@@ -5478,6 +5648,74 @@
           <a:noFill/>
         </p:spPr>
         <p:txBody>
+          <a:bodyPr wrap="none" rtlCol="0">
+            <a:spAutoFit/>
+          </a:bodyPr>
+          <a:lstStyle/>
+          <a:p>
+            <a:r>
+              <a:rPr lang="en-US" altLang="ko-KR" sz="3200" dirty="0" smtClean="0">
+                <a:gradFill flip="none" rotWithShape="1">
+                  <a:gsLst>
+                    <a:gs pos="0">
+                      <a:schemeClr val="accent2">
+                        <a:lumMod val="75000"/>
+                      </a:schemeClr>
+                    </a:gs>
+                    <a:gs pos="100000">
+                      <a:schemeClr val="accent2">
+                        <a:lumMod val="75000"/>
+                      </a:schemeClr>
+                    </a:gs>
+                  </a:gsLst>
+                  <a:lin ang="2700000" scaled="1"/>
+                  <a:tileRect/>
+                </a:gradFill>
+                <a:latin typeface="Arial" panose="020B0604020202020204" pitchFamily="34" charset="0"/>
+                <a:cs typeface="Arial" panose="020B0604020202020204" pitchFamily="34" charset="0"/>
+              </a:rPr>
+              <a:t>Data Mining Process</a:t>
+            </a:r>
+            <a:endParaRPr lang="ko-KR" altLang="en-US" sz="3200" dirty="0">
+              <a:gradFill flip="none" rotWithShape="1">
+                <a:gsLst>
+                  <a:gs pos="0">
+                    <a:schemeClr val="accent2">
+                      <a:lumMod val="75000"/>
+                    </a:schemeClr>
+                  </a:gs>
+                  <a:gs pos="100000">
+                    <a:schemeClr val="accent2">
+                      <a:lumMod val="75000"/>
+                    </a:schemeClr>
+                  </a:gs>
+                </a:gsLst>
+                <a:lin ang="2700000" scaled="1"/>
+                <a:tileRect/>
+              </a:gradFill>
+              <a:latin typeface="Arial" panose="020B0604020202020204" pitchFamily="34" charset="0"/>
+              <a:cs typeface="Arial" panose="020B0604020202020204" pitchFamily="34" charset="0"/>
+            </a:endParaRPr>
+          </a:p>
+        </p:txBody>
+      </p:sp>
+      <p:sp>
+        <p:nvSpPr>
+          <p:cNvPr id="6" name="TextBox 5"/>
+          <p:cNvSpPr txBox="1"/>
+          <p:nvPr/>
+        </p:nvSpPr>
+        <p:spPr>
+          <a:xfrm>
+            <a:off x="276056" y="1101628"/>
+            <a:ext cx="8626404" cy="400110"/>
+          </a:xfrm>
+          <a:prstGeom prst="rect">
+            <a:avLst/>
+          </a:prstGeom>
+          <a:noFill/>
+        </p:spPr>
+        <p:txBody>
           <a:bodyPr wrap="square" rtlCol="0">
             <a:spAutoFit/>
           </a:bodyPr>
@@ -5496,148 +5734,7 @@
                 <a:cs typeface="Arial" panose="020B0604020202020204" pitchFamily="34" charset="0"/>
                 <a:sym typeface="Wingdings" panose="05000000000000000000" pitchFamily="2" charset="2"/>
               </a:rPr>
-              <a:t> Data </a:t>
-            </a:r>
-            <a:r>
-              <a:rPr lang="en-US" altLang="ko-KR" sz="2000" dirty="0" smtClean="0">
-                <a:solidFill>
-                  <a:schemeClr val="tx1">
-                    <a:lumMod val="75000"/>
-                    <a:lumOff val="25000"/>
-                  </a:schemeClr>
-                </a:solidFill>
-                <a:latin typeface="Arial" panose="020B0604020202020204" pitchFamily="34" charset="0"/>
-                <a:cs typeface="Arial" panose="020B0604020202020204" pitchFamily="34" charset="0"/>
-                <a:sym typeface="Wingdings" panose="05000000000000000000" pitchFamily="2" charset="2"/>
-              </a:rPr>
-              <a:t>mining </a:t>
-            </a:r>
-            <a:r>
-              <a:rPr lang="en-US" altLang="ko-KR" sz="2000" b="1" dirty="0" smtClean="0">
-                <a:solidFill>
-                  <a:schemeClr val="accent2">
-                    <a:lumMod val="75000"/>
-                  </a:schemeClr>
-                </a:solidFill>
-                <a:latin typeface="Arial" panose="020B0604020202020204" pitchFamily="34" charset="0"/>
-                <a:cs typeface="Arial" panose="020B0604020202020204" pitchFamily="34" charset="0"/>
-                <a:sym typeface="Wingdings" panose="05000000000000000000" pitchFamily="2" charset="2"/>
-              </a:rPr>
-              <a:t>ZERO TO ALL</a:t>
-            </a:r>
-            <a:endParaRPr lang="ko-KR" altLang="en-US" sz="2000" b="1" dirty="0">
-              <a:solidFill>
-                <a:schemeClr val="accent2">
-                  <a:lumMod val="75000"/>
-                </a:schemeClr>
-              </a:solidFill>
-              <a:latin typeface="Arial" panose="020B0604020202020204" pitchFamily="34" charset="0"/>
-              <a:cs typeface="Arial" panose="020B0604020202020204" pitchFamily="34" charset="0"/>
-            </a:endParaRPr>
-          </a:p>
-        </p:txBody>
-      </p:sp>
-      <p:sp>
-        <p:nvSpPr>
-          <p:cNvPr id="12" name="TextBox 11"/>
-          <p:cNvSpPr txBox="1"/>
-          <p:nvPr/>
-        </p:nvSpPr>
-        <p:spPr>
-          <a:xfrm>
-            <a:off x="276056" y="1685336"/>
-            <a:ext cx="8626404" cy="646331"/>
-          </a:xfrm>
-          <a:prstGeom prst="rect">
-            <a:avLst/>
-          </a:prstGeom>
-          <a:noFill/>
-        </p:spPr>
-        <p:txBody>
-          <a:bodyPr wrap="square" rtlCol="0">
-            <a:spAutoFit/>
-          </a:bodyPr>
-          <a:lstStyle/>
-          <a:p>
-            <a:pPr marL="800100" lvl="1" indent="-342900" algn="just">
-              <a:buFont typeface="Wingdings" panose="05000000000000000000" pitchFamily="2" charset="2"/>
-              <a:buChar char=""/>
-            </a:pPr>
-            <a:r>
-              <a:rPr lang="en-US" altLang="ko-KR" b="1" dirty="0" smtClean="0">
-                <a:solidFill>
-                  <a:schemeClr val="accent2">
-                    <a:lumMod val="75000"/>
-                  </a:schemeClr>
-                </a:solidFill>
-                <a:latin typeface="Arial" panose="020B0604020202020204" pitchFamily="34" charset="0"/>
-                <a:cs typeface="Arial" panose="020B0604020202020204" pitchFamily="34" charset="0"/>
-              </a:rPr>
-              <a:t>Start with small ones</a:t>
-            </a:r>
-            <a:r>
-              <a:rPr lang="en-US" altLang="ko-KR" dirty="0" smtClean="0">
-                <a:latin typeface="Arial" panose="020B0604020202020204" pitchFamily="34" charset="0"/>
-                <a:cs typeface="Arial" panose="020B0604020202020204" pitchFamily="34" charset="0"/>
-              </a:rPr>
-              <a:t>, make larger and important ones in the end</a:t>
-            </a:r>
-          </a:p>
-          <a:p>
-            <a:pPr marL="800100" lvl="1" indent="-342900" algn="just">
-              <a:buFont typeface="Wingdings" panose="05000000000000000000" pitchFamily="2" charset="2"/>
-              <a:buChar char=""/>
-            </a:pPr>
-            <a:r>
-              <a:rPr lang="en-US" altLang="ko-KR" dirty="0" smtClean="0">
-                <a:latin typeface="Arial" panose="020B0604020202020204" pitchFamily="34" charset="0"/>
-                <a:cs typeface="Arial" panose="020B0604020202020204" pitchFamily="34" charset="0"/>
-              </a:rPr>
-              <a:t>No programming/statistics/mathematics preliminaries required!</a:t>
-            </a:r>
-            <a:endParaRPr lang="ko-KR" altLang="en-US" dirty="0">
-              <a:latin typeface="Arial" panose="020B0604020202020204" pitchFamily="34" charset="0"/>
-              <a:cs typeface="Arial" panose="020B0604020202020204" pitchFamily="34" charset="0"/>
-            </a:endParaRPr>
-          </a:p>
-        </p:txBody>
-      </p:sp>
-      <p:sp>
-        <p:nvSpPr>
-          <p:cNvPr id="13" name="TextBox 12"/>
-          <p:cNvSpPr txBox="1"/>
-          <p:nvPr/>
-        </p:nvSpPr>
-        <p:spPr>
-          <a:xfrm>
-            <a:off x="276056" y="4201119"/>
-            <a:ext cx="8626404" cy="400110"/>
-          </a:xfrm>
-          <a:prstGeom prst="rect">
-            <a:avLst/>
-          </a:prstGeom>
-          <a:noFill/>
-        </p:spPr>
-        <p:txBody>
-          <a:bodyPr wrap="square" rtlCol="0">
-            <a:spAutoFit/>
-          </a:bodyPr>
-          <a:lstStyle/>
-          <a:p>
-            <a:pPr algn="just"/>
-            <a:r>
-              <a:rPr lang="en-US" altLang="ko-KR" sz="2000" dirty="0" smtClean="0">
-                <a:solidFill>
-                  <a:schemeClr val="tx1">
-                    <a:lumMod val="75000"/>
-                    <a:lumOff val="25000"/>
-                  </a:schemeClr>
-                </a:solidFill>
-                <a:latin typeface="Arial" panose="020B0604020202020204" pitchFamily="34" charset="0"/>
-                <a:cs typeface="Arial" panose="020B0604020202020204" pitchFamily="34" charset="0"/>
-                <a:sym typeface="Wingdings" panose="05000000000000000000" pitchFamily="2" charset="2"/>
-              </a:rPr>
-              <a:t> Practicality &amp; Learning by Doing</a:t>
+              <a:t> Related techniques &amp; methodologies</a:t>
             </a:r>
             <a:endParaRPr lang="ko-KR" altLang="en-US" sz="2000" dirty="0">
               <a:solidFill>
@@ -5654,13 +5751,1200 @@
       </p:sp>
       <p:sp>
         <p:nvSpPr>
+          <p:cNvPr id="11" name="직사각형 10"/>
+          <p:cNvSpPr/>
+          <p:nvPr/>
+        </p:nvSpPr>
+        <p:spPr>
+          <a:xfrm>
+            <a:off x="370932" y="-8626"/>
+            <a:ext cx="189781" cy="569343"/>
+          </a:xfrm>
+          <a:prstGeom prst="rect">
+            <a:avLst/>
+          </a:prstGeom>
+          <a:solidFill>
+            <a:schemeClr val="accent2">
+              <a:lumMod val="75000"/>
+            </a:schemeClr>
+          </a:solidFill>
+          <a:ln>
+            <a:solidFill>
+              <a:schemeClr val="accent2">
+                <a:lumMod val="75000"/>
+              </a:schemeClr>
+            </a:solidFill>
+          </a:ln>
+        </p:spPr>
+        <p:style>
+          <a:lnRef idx="2">
+            <a:schemeClr val="accent1">
+              <a:shade val="50000"/>
+            </a:schemeClr>
+          </a:lnRef>
+          <a:fillRef idx="1">
+            <a:schemeClr val="accent1"/>
+          </a:fillRef>
+          <a:effectRef idx="0">
+            <a:schemeClr val="accent1"/>
+          </a:effectRef>
+          <a:fontRef idx="minor">
+            <a:schemeClr val="lt1"/>
+          </a:fontRef>
+        </p:style>
+        <p:txBody>
+          <a:bodyPr rtlCol="0" anchor="ctr"/>
+          <a:lstStyle/>
+          <a:p>
+            <a:pPr algn="ctr"/>
+            <a:endParaRPr lang="ko-KR" altLang="en-US"/>
+          </a:p>
+        </p:txBody>
+      </p:sp>
+      <p:sp>
+        <p:nvSpPr>
+          <p:cNvPr id="8" name="TextBox 7"/>
+          <p:cNvSpPr txBox="1"/>
+          <p:nvPr/>
+        </p:nvSpPr>
+        <p:spPr>
+          <a:xfrm>
+            <a:off x="276056" y="1648016"/>
+            <a:ext cx="8626404" cy="1477328"/>
+          </a:xfrm>
+          <a:prstGeom prst="rect">
+            <a:avLst/>
+          </a:prstGeom>
+          <a:noFill/>
+        </p:spPr>
+        <p:txBody>
+          <a:bodyPr wrap="square" rtlCol="0">
+            <a:spAutoFit/>
+          </a:bodyPr>
+          <a:lstStyle/>
+          <a:p>
+            <a:pPr marL="800100" lvl="1" indent="-342900" algn="just">
+              <a:buFont typeface="Wingdings" panose="05000000000000000000" pitchFamily="2" charset="2"/>
+              <a:buChar char=""/>
+            </a:pPr>
+            <a:r>
+              <a:rPr lang="en-US" altLang="ko-KR" b="1" dirty="0" smtClean="0">
+                <a:solidFill>
+                  <a:srgbClr val="C00000"/>
+                </a:solidFill>
+                <a:latin typeface="Arial" panose="020B0604020202020204" pitchFamily="34" charset="0"/>
+                <a:cs typeface="Arial" panose="020B0604020202020204" pitchFamily="34" charset="0"/>
+                <a:sym typeface="Wingdings" panose="05000000000000000000" pitchFamily="2" charset="2"/>
+              </a:rPr>
+              <a:t>Data Analysis: </a:t>
+            </a:r>
+            <a:r>
+              <a:rPr lang="en-US" altLang="ko-KR" dirty="0" smtClean="0">
+                <a:latin typeface="Arial" panose="020B0604020202020204" pitchFamily="34" charset="0"/>
+                <a:cs typeface="Arial" panose="020B0604020202020204" pitchFamily="34" charset="0"/>
+                <a:sym typeface="Wingdings" panose="05000000000000000000" pitchFamily="2" charset="2"/>
+              </a:rPr>
+              <a:t>Analyzing and modeling data using statistical techniques, (computational) learning techniques, querying, etc.</a:t>
+            </a:r>
+          </a:p>
+          <a:p>
+            <a:pPr marL="1200150" lvl="2" indent="-285750" algn="just">
+              <a:buFontTx/>
+              <a:buChar char="-"/>
+            </a:pPr>
+            <a:r>
+              <a:rPr lang="en-US" altLang="ko-KR" dirty="0" smtClean="0">
+                <a:latin typeface="Arial" panose="020B0604020202020204" pitchFamily="34" charset="0"/>
+                <a:cs typeface="Arial" panose="020B0604020202020204" pitchFamily="34" charset="0"/>
+                <a:sym typeface="Wingdings" panose="05000000000000000000" pitchFamily="2" charset="2"/>
+              </a:rPr>
+              <a:t>Recognizing “patterns” from dataset</a:t>
+            </a:r>
+          </a:p>
+          <a:p>
+            <a:pPr marL="1200150" lvl="2" indent="-285750" algn="just">
+              <a:buFontTx/>
+              <a:buChar char="-"/>
+            </a:pPr>
+            <a:r>
+              <a:rPr lang="en-US" altLang="ko-KR" dirty="0" smtClean="0">
+                <a:latin typeface="Arial" panose="020B0604020202020204" pitchFamily="34" charset="0"/>
+                <a:cs typeface="Arial" panose="020B0604020202020204" pitchFamily="34" charset="0"/>
+                <a:sym typeface="Wingdings" panose="05000000000000000000" pitchFamily="2" charset="2"/>
+              </a:rPr>
+              <a:t>Machine learning: giving computers “the ability to learn without being explicitly programmed”</a:t>
+            </a:r>
+            <a:endParaRPr lang="ko-KR" altLang="en-US" dirty="0">
+              <a:latin typeface="Arial" panose="020B0604020202020204" pitchFamily="34" charset="0"/>
+              <a:cs typeface="Arial" panose="020B0604020202020204" pitchFamily="34" charset="0"/>
+            </a:endParaRPr>
+          </a:p>
+        </p:txBody>
+      </p:sp>
+      <p:pic>
+        <p:nvPicPr>
+          <p:cNvPr id="3074" name="Picture 2" descr="https://upload.wikimedia.org/wikipedia/commons/2/2a/Svm_max_sep_hyperplane_with_margin.png"/>
+          <p:cNvPicPr>
+            <a:picLocks noChangeAspect="1" noChangeArrowheads="1"/>
+          </p:cNvPicPr>
+          <p:nvPr/>
+        </p:nvPicPr>
+        <p:blipFill>
+          <a:blip r:embed="rId2" cstate="print">
+            <a:extLst>
+              <a:ext uri="{28A0092B-C50C-407E-A947-70E740481C1C}">
+                <a14:useLocalDpi xmlns:a14="http://schemas.microsoft.com/office/drawing/2010/main" val="0"/>
+              </a:ext>
+            </a:extLst>
+          </a:blip>
+          <a:srcRect/>
+          <a:stretch>
+            <a:fillRect/>
+          </a:stretch>
+        </p:blipFill>
+        <p:spPr bwMode="auto">
+          <a:xfrm>
+            <a:off x="3053201" y="3242438"/>
+            <a:ext cx="3024922" cy="3259353"/>
+          </a:xfrm>
+          <a:prstGeom prst="rect">
+            <a:avLst/>
+          </a:prstGeom>
+          <a:noFill/>
+          <a:extLst>
+            <a:ext uri="{909E8E84-426E-40DD-AFC4-6F175D3DCCD1}">
+              <a14:hiddenFill xmlns:a14="http://schemas.microsoft.com/office/drawing/2010/main">
+                <a:solidFill>
+                  <a:srgbClr val="FFFFFF"/>
+                </a:solidFill>
+              </a14:hiddenFill>
+            </a:ext>
+          </a:extLst>
+        </p:spPr>
+      </p:pic>
+      <p:sp>
+        <p:nvSpPr>
+          <p:cNvPr id="10" name="TextBox 9"/>
+          <p:cNvSpPr txBox="1"/>
+          <p:nvPr/>
+        </p:nvSpPr>
+        <p:spPr>
+          <a:xfrm>
+            <a:off x="25878" y="6530975"/>
+            <a:ext cx="8626404" cy="246221"/>
+          </a:xfrm>
+          <a:prstGeom prst="rect">
+            <a:avLst/>
+          </a:prstGeom>
+          <a:noFill/>
+        </p:spPr>
+        <p:txBody>
+          <a:bodyPr wrap="square" rtlCol="0">
+            <a:spAutoFit/>
+          </a:bodyPr>
+          <a:lstStyle/>
+          <a:p>
+            <a:pPr algn="just"/>
+            <a:r>
+              <a:rPr lang="en-US" altLang="ko-KR" sz="1000" dirty="0" err="1" smtClean="0">
+                <a:solidFill>
+                  <a:schemeClr val="tx1">
+                    <a:lumMod val="75000"/>
+                    <a:lumOff val="25000"/>
+                  </a:schemeClr>
+                </a:solidFill>
+                <a:latin typeface="Arial" panose="020B0604020202020204" pitchFamily="34" charset="0"/>
+                <a:cs typeface="Arial" panose="020B0604020202020204" pitchFamily="34" charset="0"/>
+                <a:sym typeface="Wingdings" panose="05000000000000000000" pitchFamily="2" charset="2"/>
+              </a:rPr>
+              <a:t>src</a:t>
+            </a:r>
+            <a:r>
+              <a:rPr lang="en-US" altLang="ko-KR" sz="1000" dirty="0" smtClean="0">
+                <a:solidFill>
+                  <a:schemeClr val="tx1">
+                    <a:lumMod val="75000"/>
+                    <a:lumOff val="25000"/>
+                  </a:schemeClr>
+                </a:solidFill>
+                <a:latin typeface="Arial" panose="020B0604020202020204" pitchFamily="34" charset="0"/>
+                <a:cs typeface="Arial" panose="020B0604020202020204" pitchFamily="34" charset="0"/>
+                <a:sym typeface="Wingdings" panose="05000000000000000000" pitchFamily="2" charset="2"/>
+              </a:rPr>
+              <a:t>: </a:t>
+            </a:r>
+            <a:r>
+              <a:rPr lang="en-US" altLang="ko-KR" sz="1000" dirty="0">
+                <a:solidFill>
+                  <a:schemeClr val="tx1">
+                    <a:lumMod val="75000"/>
+                    <a:lumOff val="25000"/>
+                  </a:schemeClr>
+                </a:solidFill>
+                <a:latin typeface="Arial" panose="020B0604020202020204" pitchFamily="34" charset="0"/>
+                <a:cs typeface="Arial" panose="020B0604020202020204" pitchFamily="34" charset="0"/>
+                <a:sym typeface="Wingdings" panose="05000000000000000000" pitchFamily="2" charset="2"/>
+              </a:rPr>
+              <a:t>https://upload.wikimedia.org/wikipedia/commons/2/2a/Svm_max_sep_hyperplane_with_margin.png</a:t>
+            </a:r>
+            <a:endParaRPr lang="ko-KR" altLang="en-US" sz="1000" dirty="0">
+              <a:solidFill>
+                <a:schemeClr val="tx1">
+                  <a:lumMod val="75000"/>
+                  <a:lumOff val="25000"/>
+                </a:schemeClr>
+              </a:solidFill>
+              <a:latin typeface="Arial" panose="020B0604020202020204" pitchFamily="34" charset="0"/>
+              <a:cs typeface="Arial" panose="020B0604020202020204" pitchFamily="34" charset="0"/>
+            </a:endParaRPr>
+          </a:p>
+        </p:txBody>
+      </p:sp>
+    </p:spTree>
+    <p:extLst>
+      <p:ext uri="{BB962C8B-B14F-4D97-AF65-F5344CB8AC3E}">
+        <p14:creationId xmlns:p14="http://schemas.microsoft.com/office/powerpoint/2010/main" val="189127614"/>
+      </p:ext>
+    </p:extLst>
+  </p:cSld>
+  <p:clrMapOvr>
+    <a:masterClrMapping/>
+  </p:clrMapOvr>
+  <p:timing>
+    <p:tnLst>
+      <p:par>
+        <p:cTn id="1" dur="indefinite" restart="never" nodeType="tmRoot"/>
+      </p:par>
+    </p:tnLst>
+  </p:timing>
+</p:sld>
+</file>
+
+<file path=ppt/slides/slide15.xml><?xml version="1.0" encoding="utf-8"?>
+<p:sld xmlns:a="http://schemas.openxmlformats.org/drawingml/2006/main" xmlns:r="http://schemas.openxmlformats.org/officeDocument/2006/relationships" xmlns:p="http://schemas.openxmlformats.org/presentationml/2006/main">
+  <p:cSld>
+    <p:bg>
+      <p:bgPr>
+        <a:gradFill flip="none" rotWithShape="1">
+          <a:gsLst>
+            <a:gs pos="0">
+              <a:schemeClr val="bg1">
+                <a:lumMod val="95000"/>
+              </a:schemeClr>
+            </a:gs>
+            <a:gs pos="77000">
+              <a:schemeClr val="bg1">
+                <a:lumMod val="75000"/>
+                <a:alpha val="70000"/>
+              </a:schemeClr>
+            </a:gs>
+            <a:gs pos="100000">
+              <a:schemeClr val="bg1">
+                <a:lumMod val="75000"/>
+                <a:alpha val="70000"/>
+              </a:schemeClr>
+            </a:gs>
+          </a:gsLst>
+          <a:path path="circle">
+            <a:fillToRect l="50000" t="50000" r="50000" b="50000"/>
+          </a:path>
+          <a:tileRect/>
+        </a:gradFill>
+        <a:effectLst/>
+      </p:bgPr>
+    </p:bg>
+    <p:spTree>
+      <p:nvGrpSpPr>
+        <p:cNvPr id="1" name=""/>
+        <p:cNvGrpSpPr/>
+        <p:nvPr/>
+      </p:nvGrpSpPr>
+      <p:grpSpPr>
+        <a:xfrm>
+          <a:off x="0" y="0"/>
+          <a:ext cx="0" cy="0"/>
+          <a:chOff x="0" y="0"/>
+          <a:chExt cx="0" cy="0"/>
+        </a:xfrm>
+      </p:grpSpPr>
+      <p:sp>
+        <p:nvSpPr>
+          <p:cNvPr id="4" name="TextBox 3"/>
+          <p:cNvSpPr txBox="1"/>
+          <p:nvPr/>
+        </p:nvSpPr>
+        <p:spPr>
+          <a:xfrm>
+            <a:off x="741880" y="129720"/>
+            <a:ext cx="3966150" cy="584775"/>
+          </a:xfrm>
+          <a:prstGeom prst="rect">
+            <a:avLst/>
+          </a:prstGeom>
+          <a:noFill/>
+        </p:spPr>
+        <p:txBody>
+          <a:bodyPr wrap="none" rtlCol="0">
+            <a:spAutoFit/>
+          </a:bodyPr>
+          <a:lstStyle/>
+          <a:p>
+            <a:r>
+              <a:rPr lang="en-US" altLang="ko-KR" sz="3200" dirty="0" smtClean="0">
+                <a:gradFill flip="none" rotWithShape="1">
+                  <a:gsLst>
+                    <a:gs pos="0">
+                      <a:schemeClr val="accent2">
+                        <a:lumMod val="75000"/>
+                      </a:schemeClr>
+                    </a:gs>
+                    <a:gs pos="100000">
+                      <a:schemeClr val="accent2">
+                        <a:lumMod val="75000"/>
+                      </a:schemeClr>
+                    </a:gs>
+                  </a:gsLst>
+                  <a:lin ang="2700000" scaled="1"/>
+                  <a:tileRect/>
+                </a:gradFill>
+                <a:latin typeface="Arial" panose="020B0604020202020204" pitchFamily="34" charset="0"/>
+                <a:cs typeface="Arial" panose="020B0604020202020204" pitchFamily="34" charset="0"/>
+              </a:rPr>
+              <a:t>Data Mining Process</a:t>
+            </a:r>
+            <a:endParaRPr lang="ko-KR" altLang="en-US" sz="3200" dirty="0">
+              <a:gradFill flip="none" rotWithShape="1">
+                <a:gsLst>
+                  <a:gs pos="0">
+                    <a:schemeClr val="accent2">
+                      <a:lumMod val="75000"/>
+                    </a:schemeClr>
+                  </a:gs>
+                  <a:gs pos="100000">
+                    <a:schemeClr val="accent2">
+                      <a:lumMod val="75000"/>
+                    </a:schemeClr>
+                  </a:gs>
+                </a:gsLst>
+                <a:lin ang="2700000" scaled="1"/>
+                <a:tileRect/>
+              </a:gradFill>
+              <a:latin typeface="Arial" panose="020B0604020202020204" pitchFamily="34" charset="0"/>
+              <a:cs typeface="Arial" panose="020B0604020202020204" pitchFamily="34" charset="0"/>
+            </a:endParaRPr>
+          </a:p>
+        </p:txBody>
+      </p:sp>
+      <p:sp>
+        <p:nvSpPr>
+          <p:cNvPr id="6" name="TextBox 5"/>
+          <p:cNvSpPr txBox="1"/>
+          <p:nvPr/>
+        </p:nvSpPr>
+        <p:spPr>
+          <a:xfrm>
+            <a:off x="276056" y="1101628"/>
+            <a:ext cx="8626404" cy="400110"/>
+          </a:xfrm>
+          <a:prstGeom prst="rect">
+            <a:avLst/>
+          </a:prstGeom>
+          <a:noFill/>
+        </p:spPr>
+        <p:txBody>
+          <a:bodyPr wrap="square" rtlCol="0">
+            <a:spAutoFit/>
+          </a:bodyPr>
+          <a:lstStyle/>
+          <a:p>
+            <a:pPr algn="just"/>
+            <a:r>
+              <a:rPr lang="en-US" altLang="ko-KR" sz="2000" dirty="0" smtClean="0">
+                <a:solidFill>
+                  <a:schemeClr val="tx1">
+                    <a:lumMod val="75000"/>
+                    <a:lumOff val="25000"/>
+                  </a:schemeClr>
+                </a:solidFill>
+                <a:latin typeface="Arial" panose="020B0604020202020204" pitchFamily="34" charset="0"/>
+                <a:cs typeface="Arial" panose="020B0604020202020204" pitchFamily="34" charset="0"/>
+                <a:sym typeface="Wingdings" panose="05000000000000000000" pitchFamily="2" charset="2"/>
+              </a:rPr>
+              <a:t> Related techniques &amp; methodologies</a:t>
+            </a:r>
+            <a:endParaRPr lang="ko-KR" altLang="en-US" sz="2000" dirty="0">
+              <a:solidFill>
+                <a:schemeClr val="tx1">
+                  <a:lumMod val="75000"/>
+                  <a:lumOff val="25000"/>
+                </a:schemeClr>
+              </a:solidFill>
+              <a:latin typeface="Arial" panose="020B0604020202020204" pitchFamily="34" charset="0"/>
+              <a:cs typeface="Arial" panose="020B0604020202020204" pitchFamily="34" charset="0"/>
+            </a:endParaRPr>
+          </a:p>
+        </p:txBody>
+      </p:sp>
+      <p:sp>
+        <p:nvSpPr>
+          <p:cNvPr id="11" name="직사각형 10"/>
+          <p:cNvSpPr/>
+          <p:nvPr/>
+        </p:nvSpPr>
+        <p:spPr>
+          <a:xfrm>
+            <a:off x="370932" y="-8626"/>
+            <a:ext cx="189781" cy="569343"/>
+          </a:xfrm>
+          <a:prstGeom prst="rect">
+            <a:avLst/>
+          </a:prstGeom>
+          <a:solidFill>
+            <a:schemeClr val="accent2">
+              <a:lumMod val="75000"/>
+            </a:schemeClr>
+          </a:solidFill>
+          <a:ln>
+            <a:solidFill>
+              <a:schemeClr val="accent2">
+                <a:lumMod val="75000"/>
+              </a:schemeClr>
+            </a:solidFill>
+          </a:ln>
+        </p:spPr>
+        <p:style>
+          <a:lnRef idx="2">
+            <a:schemeClr val="accent1">
+              <a:shade val="50000"/>
+            </a:schemeClr>
+          </a:lnRef>
+          <a:fillRef idx="1">
+            <a:schemeClr val="accent1"/>
+          </a:fillRef>
+          <a:effectRef idx="0">
+            <a:schemeClr val="accent1"/>
+          </a:effectRef>
+          <a:fontRef idx="minor">
+            <a:schemeClr val="lt1"/>
+          </a:fontRef>
+        </p:style>
+        <p:txBody>
+          <a:bodyPr rtlCol="0" anchor="ctr"/>
+          <a:lstStyle/>
+          <a:p>
+            <a:pPr algn="ctr"/>
+            <a:endParaRPr lang="ko-KR" altLang="en-US"/>
+          </a:p>
+        </p:txBody>
+      </p:sp>
+      <p:sp>
+        <p:nvSpPr>
+          <p:cNvPr id="8" name="TextBox 7"/>
+          <p:cNvSpPr txBox="1"/>
+          <p:nvPr/>
+        </p:nvSpPr>
+        <p:spPr>
+          <a:xfrm>
+            <a:off x="276056" y="1648016"/>
+            <a:ext cx="8626404" cy="1754326"/>
+          </a:xfrm>
+          <a:prstGeom prst="rect">
+            <a:avLst/>
+          </a:prstGeom>
+          <a:noFill/>
+        </p:spPr>
+        <p:txBody>
+          <a:bodyPr wrap="square" rtlCol="0">
+            <a:spAutoFit/>
+          </a:bodyPr>
+          <a:lstStyle/>
+          <a:p>
+            <a:pPr marL="800100" lvl="1" indent="-342900" algn="just">
+              <a:buFont typeface="Wingdings" panose="05000000000000000000" pitchFamily="2" charset="2"/>
+              <a:buChar char=""/>
+            </a:pPr>
+            <a:r>
+              <a:rPr lang="en-US" altLang="ko-KR" b="1" dirty="0" smtClean="0">
+                <a:solidFill>
+                  <a:srgbClr val="C00000"/>
+                </a:solidFill>
+                <a:latin typeface="Arial" panose="020B0604020202020204" pitchFamily="34" charset="0"/>
+                <a:cs typeface="Arial" panose="020B0604020202020204" pitchFamily="34" charset="0"/>
+                <a:sym typeface="Wingdings" panose="05000000000000000000" pitchFamily="2" charset="2"/>
+              </a:rPr>
+              <a:t>Interpretation &amp; Application: </a:t>
+            </a:r>
+            <a:r>
+              <a:rPr lang="en-US" altLang="ko-KR" dirty="0" smtClean="0">
+                <a:latin typeface="Arial" panose="020B0604020202020204" pitchFamily="34" charset="0"/>
+                <a:cs typeface="Arial" panose="020B0604020202020204" pitchFamily="34" charset="0"/>
+                <a:sym typeface="Wingdings" panose="05000000000000000000" pitchFamily="2" charset="2"/>
+              </a:rPr>
+              <a:t>Interpreting and applying the results in business context is more important than modeling and analysis itself</a:t>
+            </a:r>
+          </a:p>
+          <a:p>
+            <a:pPr marL="1200150" lvl="2" indent="-285750" algn="just">
+              <a:buFontTx/>
+              <a:buChar char="-"/>
+            </a:pPr>
+            <a:r>
+              <a:rPr lang="en-US" altLang="ko-KR" dirty="0" smtClean="0">
+                <a:latin typeface="Arial" panose="020B0604020202020204" pitchFamily="34" charset="0"/>
+                <a:cs typeface="Arial" panose="020B0604020202020204" pitchFamily="34" charset="0"/>
+                <a:sym typeface="Wingdings" panose="05000000000000000000" pitchFamily="2" charset="2"/>
+              </a:rPr>
+              <a:t>Objectives and metrics for DM project should be clarified at outset</a:t>
+            </a:r>
+          </a:p>
+          <a:p>
+            <a:pPr marL="1200150" lvl="2" indent="-285750" algn="just">
+              <a:buFontTx/>
+              <a:buChar char="-"/>
+            </a:pPr>
+            <a:r>
+              <a:rPr lang="en-US" altLang="ko-KR" dirty="0" smtClean="0">
+                <a:latin typeface="Arial" panose="020B0604020202020204" pitchFamily="34" charset="0"/>
+                <a:cs typeface="Arial" panose="020B0604020202020204" pitchFamily="34" charset="0"/>
+                <a:sym typeface="Wingdings" panose="05000000000000000000" pitchFamily="2" charset="2"/>
+              </a:rPr>
+              <a:t>Extracting insights from results is crucial! Keep focusing on business impact!</a:t>
+            </a:r>
+          </a:p>
+          <a:p>
+            <a:pPr marL="1200150" lvl="2" indent="-285750" algn="just">
+              <a:buFontTx/>
+              <a:buChar char="-"/>
+            </a:pPr>
+            <a:r>
+              <a:rPr lang="en-US" altLang="ko-KR" dirty="0" smtClean="0">
+                <a:latin typeface="Arial" panose="020B0604020202020204" pitchFamily="34" charset="0"/>
+                <a:cs typeface="Arial" panose="020B0604020202020204" pitchFamily="34" charset="0"/>
+                <a:sym typeface="Wingdings" panose="05000000000000000000" pitchFamily="2" charset="2"/>
+              </a:rPr>
+              <a:t>Engineer vs. Data analyst</a:t>
+            </a:r>
+            <a:endParaRPr lang="ko-KR" altLang="en-US" dirty="0">
+              <a:latin typeface="Arial" panose="020B0604020202020204" pitchFamily="34" charset="0"/>
+              <a:cs typeface="Arial" panose="020B0604020202020204" pitchFamily="34" charset="0"/>
+            </a:endParaRPr>
+          </a:p>
+        </p:txBody>
+      </p:sp>
+      <p:sp>
+        <p:nvSpPr>
+          <p:cNvPr id="10" name="TextBox 9"/>
+          <p:cNvSpPr txBox="1"/>
+          <p:nvPr/>
+        </p:nvSpPr>
+        <p:spPr>
+          <a:xfrm>
+            <a:off x="25878" y="6530975"/>
+            <a:ext cx="8626404" cy="246221"/>
+          </a:xfrm>
+          <a:prstGeom prst="rect">
+            <a:avLst/>
+          </a:prstGeom>
+          <a:noFill/>
+        </p:spPr>
+        <p:txBody>
+          <a:bodyPr wrap="square" rtlCol="0">
+            <a:spAutoFit/>
+          </a:bodyPr>
+          <a:lstStyle/>
+          <a:p>
+            <a:pPr algn="just"/>
+            <a:r>
+              <a:rPr lang="en-US" altLang="ko-KR" sz="1000" dirty="0" err="1" smtClean="0">
+                <a:solidFill>
+                  <a:schemeClr val="tx1">
+                    <a:lumMod val="75000"/>
+                    <a:lumOff val="25000"/>
+                  </a:schemeClr>
+                </a:solidFill>
+                <a:latin typeface="Arial" panose="020B0604020202020204" pitchFamily="34" charset="0"/>
+                <a:cs typeface="Arial" panose="020B0604020202020204" pitchFamily="34" charset="0"/>
+                <a:sym typeface="Wingdings" panose="05000000000000000000" pitchFamily="2" charset="2"/>
+              </a:rPr>
+              <a:t>src</a:t>
+            </a:r>
+            <a:r>
+              <a:rPr lang="en-US" altLang="ko-KR" sz="1000" dirty="0" smtClean="0">
+                <a:solidFill>
+                  <a:schemeClr val="tx1">
+                    <a:lumMod val="75000"/>
+                    <a:lumOff val="25000"/>
+                  </a:schemeClr>
+                </a:solidFill>
+                <a:latin typeface="Arial" panose="020B0604020202020204" pitchFamily="34" charset="0"/>
+                <a:cs typeface="Arial" panose="020B0604020202020204" pitchFamily="34" charset="0"/>
+                <a:sym typeface="Wingdings" panose="05000000000000000000" pitchFamily="2" charset="2"/>
+              </a:rPr>
+              <a:t>: </a:t>
+            </a:r>
+            <a:r>
+              <a:rPr lang="en-US" altLang="ko-KR" sz="1000" dirty="0">
+                <a:solidFill>
+                  <a:schemeClr val="tx1">
+                    <a:lumMod val="75000"/>
+                    <a:lumOff val="25000"/>
+                  </a:schemeClr>
+                </a:solidFill>
+                <a:latin typeface="Arial" panose="020B0604020202020204" pitchFamily="34" charset="0"/>
+                <a:cs typeface="Arial" panose="020B0604020202020204" pitchFamily="34" charset="0"/>
+                <a:sym typeface="Wingdings" panose="05000000000000000000" pitchFamily="2" charset="2"/>
+              </a:rPr>
+              <a:t>https://smartprimaryed.files.wordpress.com/2014/12/chaplowe2.jpg?w=788</a:t>
+            </a:r>
+            <a:endParaRPr lang="ko-KR" altLang="en-US" sz="1000" dirty="0">
+              <a:solidFill>
+                <a:schemeClr val="tx1">
+                  <a:lumMod val="75000"/>
+                  <a:lumOff val="25000"/>
+                </a:schemeClr>
+              </a:solidFill>
+              <a:latin typeface="Arial" panose="020B0604020202020204" pitchFamily="34" charset="0"/>
+              <a:cs typeface="Arial" panose="020B0604020202020204" pitchFamily="34" charset="0"/>
+            </a:endParaRPr>
+          </a:p>
+        </p:txBody>
+      </p:sp>
+      <p:pic>
+        <p:nvPicPr>
+          <p:cNvPr id="6146" name="Picture 2" descr="관련 이미지"/>
+          <p:cNvPicPr>
+            <a:picLocks noChangeAspect="1" noChangeArrowheads="1"/>
+          </p:cNvPicPr>
+          <p:nvPr/>
+        </p:nvPicPr>
+        <p:blipFill>
+          <a:blip r:embed="rId3">
+            <a:extLst>
+              <a:ext uri="{28A0092B-C50C-407E-A947-70E740481C1C}">
+                <a14:useLocalDpi xmlns:a14="http://schemas.microsoft.com/office/drawing/2010/main" val="0"/>
+              </a:ext>
+            </a:extLst>
+          </a:blip>
+          <a:srcRect/>
+          <a:stretch>
+            <a:fillRect/>
+          </a:stretch>
+        </p:blipFill>
+        <p:spPr bwMode="auto">
+          <a:xfrm>
+            <a:off x="2889115" y="3764659"/>
+            <a:ext cx="3211073" cy="2332254"/>
+          </a:xfrm>
+          <a:prstGeom prst="rect">
+            <a:avLst/>
+          </a:prstGeom>
+          <a:noFill/>
+          <a:extLst>
+            <a:ext uri="{909E8E84-426E-40DD-AFC4-6F175D3DCCD1}">
+              <a14:hiddenFill xmlns:a14="http://schemas.microsoft.com/office/drawing/2010/main">
+                <a:solidFill>
+                  <a:srgbClr val="FFFFFF"/>
+                </a:solidFill>
+              </a14:hiddenFill>
+            </a:ext>
+          </a:extLst>
+        </p:spPr>
+      </p:pic>
+    </p:spTree>
+    <p:extLst>
+      <p:ext uri="{BB962C8B-B14F-4D97-AF65-F5344CB8AC3E}">
+        <p14:creationId xmlns:p14="http://schemas.microsoft.com/office/powerpoint/2010/main" val="754827920"/>
+      </p:ext>
+    </p:extLst>
+  </p:cSld>
+  <p:clrMapOvr>
+    <a:masterClrMapping/>
+  </p:clrMapOvr>
+  <p:timing>
+    <p:tnLst>
+      <p:par>
+        <p:cTn id="1" dur="indefinite" restart="never" nodeType="tmRoot"/>
+      </p:par>
+    </p:tnLst>
+  </p:timing>
+</p:sld>
+</file>
+
+<file path=ppt/slides/slide16.xml><?xml version="1.0" encoding="utf-8"?>
+<p:sld xmlns:a="http://schemas.openxmlformats.org/drawingml/2006/main" xmlns:r="http://schemas.openxmlformats.org/officeDocument/2006/relationships" xmlns:p="http://schemas.openxmlformats.org/presentationml/2006/main">
+  <p:cSld>
+    <p:bg>
+      <p:bgPr>
+        <a:gradFill flip="none" rotWithShape="1">
+          <a:gsLst>
+            <a:gs pos="0">
+              <a:schemeClr val="bg1">
+                <a:lumMod val="95000"/>
+              </a:schemeClr>
+            </a:gs>
+            <a:gs pos="77000">
+              <a:schemeClr val="bg1">
+                <a:lumMod val="75000"/>
+                <a:alpha val="70000"/>
+              </a:schemeClr>
+            </a:gs>
+            <a:gs pos="100000">
+              <a:schemeClr val="bg1">
+                <a:lumMod val="75000"/>
+                <a:alpha val="70000"/>
+              </a:schemeClr>
+            </a:gs>
+          </a:gsLst>
+          <a:path path="circle">
+            <a:fillToRect l="50000" t="50000" r="50000" b="50000"/>
+          </a:path>
+          <a:tileRect/>
+        </a:gradFill>
+        <a:effectLst/>
+      </p:bgPr>
+    </p:bg>
+    <p:spTree>
+      <p:nvGrpSpPr>
+        <p:cNvPr id="1" name=""/>
+        <p:cNvGrpSpPr/>
+        <p:nvPr/>
+      </p:nvGrpSpPr>
+      <p:grpSpPr>
+        <a:xfrm>
+          <a:off x="0" y="0"/>
+          <a:ext cx="0" cy="0"/>
+          <a:chOff x="0" y="0"/>
+          <a:chExt cx="0" cy="0"/>
+        </a:xfrm>
+      </p:grpSpPr>
+      <p:sp>
+        <p:nvSpPr>
+          <p:cNvPr id="4" name="TextBox 3"/>
+          <p:cNvSpPr txBox="1"/>
+          <p:nvPr/>
+        </p:nvSpPr>
+        <p:spPr>
+          <a:xfrm>
+            <a:off x="741880" y="129720"/>
+            <a:ext cx="3781805" cy="584775"/>
+          </a:xfrm>
+          <a:prstGeom prst="rect">
+            <a:avLst/>
+          </a:prstGeom>
+          <a:noFill/>
+        </p:spPr>
+        <p:txBody>
+          <a:bodyPr wrap="none" rtlCol="0">
+            <a:spAutoFit/>
+          </a:bodyPr>
+          <a:lstStyle/>
+          <a:p>
+            <a:r>
+              <a:rPr lang="en-US" altLang="ko-KR" sz="3200" dirty="0" smtClean="0">
+                <a:gradFill flip="none" rotWithShape="1">
+                  <a:gsLst>
+                    <a:gs pos="0">
+                      <a:schemeClr val="accent2">
+                        <a:lumMod val="75000"/>
+                      </a:schemeClr>
+                    </a:gs>
+                    <a:gs pos="100000">
+                      <a:schemeClr val="accent2">
+                        <a:lumMod val="75000"/>
+                      </a:schemeClr>
+                    </a:gs>
+                  </a:gsLst>
+                  <a:lin ang="2700000" scaled="1"/>
+                  <a:tileRect/>
+                </a:gradFill>
+                <a:latin typeface="Arial" panose="020B0604020202020204" pitchFamily="34" charset="0"/>
+                <a:cs typeface="Arial" panose="020B0604020202020204" pitchFamily="34" charset="0"/>
+              </a:rPr>
+              <a:t>Focus of the course</a:t>
+            </a:r>
+            <a:endParaRPr lang="ko-KR" altLang="en-US" sz="3200" dirty="0">
+              <a:gradFill flip="none" rotWithShape="1">
+                <a:gsLst>
+                  <a:gs pos="0">
+                    <a:schemeClr val="accent2">
+                      <a:lumMod val="75000"/>
+                    </a:schemeClr>
+                  </a:gs>
+                  <a:gs pos="100000">
+                    <a:schemeClr val="accent2">
+                      <a:lumMod val="75000"/>
+                    </a:schemeClr>
+                  </a:gs>
+                </a:gsLst>
+                <a:lin ang="2700000" scaled="1"/>
+                <a:tileRect/>
+              </a:gradFill>
+              <a:latin typeface="Arial" panose="020B0604020202020204" pitchFamily="34" charset="0"/>
+              <a:cs typeface="Arial" panose="020B0604020202020204" pitchFamily="34" charset="0"/>
+            </a:endParaRPr>
+          </a:p>
+        </p:txBody>
+      </p:sp>
+      <p:sp>
+        <p:nvSpPr>
+          <p:cNvPr id="6" name="TextBox 5"/>
+          <p:cNvSpPr txBox="1"/>
+          <p:nvPr/>
+        </p:nvSpPr>
+        <p:spPr>
+          <a:xfrm>
+            <a:off x="276056" y="2943267"/>
+            <a:ext cx="8626404" cy="400110"/>
+          </a:xfrm>
+          <a:prstGeom prst="rect">
+            <a:avLst/>
+          </a:prstGeom>
+          <a:noFill/>
+        </p:spPr>
+        <p:txBody>
+          <a:bodyPr wrap="square" rtlCol="0">
+            <a:spAutoFit/>
+          </a:bodyPr>
+          <a:lstStyle/>
+          <a:p>
+            <a:pPr algn="just"/>
+            <a:r>
+              <a:rPr lang="en-US" altLang="ko-KR" sz="2000" dirty="0" smtClean="0">
+                <a:solidFill>
+                  <a:schemeClr val="tx1">
+                    <a:lumMod val="75000"/>
+                    <a:lumOff val="25000"/>
+                  </a:schemeClr>
+                </a:solidFill>
+                <a:latin typeface="Arial" panose="020B0604020202020204" pitchFamily="34" charset="0"/>
+                <a:cs typeface="Arial" panose="020B0604020202020204" pitchFamily="34" charset="0"/>
+                <a:sym typeface="Wingdings" panose="05000000000000000000" pitchFamily="2" charset="2"/>
+              </a:rPr>
+              <a:t> Technique + Business Insight</a:t>
+            </a:r>
+            <a:endParaRPr lang="ko-KR" altLang="en-US" sz="2000" dirty="0">
+              <a:solidFill>
+                <a:schemeClr val="tx1">
+                  <a:lumMod val="75000"/>
+                  <a:lumOff val="25000"/>
+                </a:schemeClr>
+              </a:solidFill>
+              <a:latin typeface="Arial" panose="020B0604020202020204" pitchFamily="34" charset="0"/>
+              <a:cs typeface="Arial" panose="020B0604020202020204" pitchFamily="34" charset="0"/>
+            </a:endParaRPr>
+          </a:p>
+        </p:txBody>
+      </p:sp>
+      <p:sp>
+        <p:nvSpPr>
+          <p:cNvPr id="11" name="직사각형 10"/>
+          <p:cNvSpPr/>
+          <p:nvPr/>
+        </p:nvSpPr>
+        <p:spPr>
+          <a:xfrm>
+            <a:off x="370932" y="-8626"/>
+            <a:ext cx="189781" cy="569343"/>
+          </a:xfrm>
+          <a:prstGeom prst="rect">
+            <a:avLst/>
+          </a:prstGeom>
+          <a:solidFill>
+            <a:schemeClr val="accent2">
+              <a:lumMod val="75000"/>
+            </a:schemeClr>
+          </a:solidFill>
+          <a:ln>
+            <a:solidFill>
+              <a:schemeClr val="accent2">
+                <a:lumMod val="75000"/>
+              </a:schemeClr>
+            </a:solidFill>
+          </a:ln>
+        </p:spPr>
+        <p:style>
+          <a:lnRef idx="2">
+            <a:schemeClr val="accent1">
+              <a:shade val="50000"/>
+            </a:schemeClr>
+          </a:lnRef>
+          <a:fillRef idx="1">
+            <a:schemeClr val="accent1"/>
+          </a:fillRef>
+          <a:effectRef idx="0">
+            <a:schemeClr val="accent1"/>
+          </a:effectRef>
+          <a:fontRef idx="minor">
+            <a:schemeClr val="lt1"/>
+          </a:fontRef>
+        </p:style>
+        <p:txBody>
+          <a:bodyPr rtlCol="0" anchor="ctr"/>
+          <a:lstStyle/>
+          <a:p>
+            <a:pPr algn="ctr"/>
+            <a:endParaRPr lang="ko-KR" altLang="en-US"/>
+          </a:p>
+        </p:txBody>
+      </p:sp>
+      <p:sp>
+        <p:nvSpPr>
+          <p:cNvPr id="8" name="TextBox 7"/>
+          <p:cNvSpPr txBox="1"/>
+          <p:nvPr/>
+        </p:nvSpPr>
+        <p:spPr>
+          <a:xfrm>
+            <a:off x="276056" y="3340912"/>
+            <a:ext cx="8626404" cy="646331"/>
+          </a:xfrm>
+          <a:prstGeom prst="rect">
+            <a:avLst/>
+          </a:prstGeom>
+          <a:noFill/>
+        </p:spPr>
+        <p:txBody>
+          <a:bodyPr wrap="square" rtlCol="0">
+            <a:spAutoFit/>
+          </a:bodyPr>
+          <a:lstStyle/>
+          <a:p>
+            <a:pPr marL="800100" lvl="1" indent="-342900" algn="just">
+              <a:buFont typeface="Wingdings" panose="05000000000000000000" pitchFamily="2" charset="2"/>
+              <a:buChar char=""/>
+            </a:pPr>
+            <a:r>
+              <a:rPr lang="en-US" altLang="ko-KR" dirty="0" smtClean="0">
+                <a:latin typeface="Arial" panose="020B0604020202020204" pitchFamily="34" charset="0"/>
+                <a:cs typeface="Arial" panose="020B0604020202020204" pitchFamily="34" charset="0"/>
+              </a:rPr>
+              <a:t>Start with techniques, but not “technique for technique”</a:t>
+            </a:r>
+          </a:p>
+          <a:p>
+            <a:pPr marL="800100" lvl="1" indent="-342900" algn="just">
+              <a:buFont typeface="Wingdings" panose="05000000000000000000" pitchFamily="2" charset="2"/>
+              <a:buChar char=""/>
+            </a:pPr>
+            <a:r>
+              <a:rPr lang="en-US" altLang="ko-KR" dirty="0" smtClean="0">
+                <a:latin typeface="Arial" panose="020B0604020202020204" pitchFamily="34" charset="0"/>
+                <a:cs typeface="Arial" panose="020B0604020202020204" pitchFamily="34" charset="0"/>
+              </a:rPr>
+              <a:t>Always remember, it is the </a:t>
+            </a:r>
+            <a:r>
+              <a:rPr lang="en-US" altLang="ko-KR" b="1" dirty="0" smtClean="0">
+                <a:solidFill>
+                  <a:schemeClr val="accent2">
+                    <a:lumMod val="75000"/>
+                  </a:schemeClr>
+                </a:solidFill>
+                <a:latin typeface="Arial" panose="020B0604020202020204" pitchFamily="34" charset="0"/>
+                <a:cs typeface="Arial" panose="020B0604020202020204" pitchFamily="34" charset="0"/>
+              </a:rPr>
+              <a:t>business impact </a:t>
+            </a:r>
+            <a:r>
+              <a:rPr lang="en-US" altLang="ko-KR" dirty="0" smtClean="0">
+                <a:latin typeface="Arial" panose="020B0604020202020204" pitchFamily="34" charset="0"/>
+                <a:cs typeface="Arial" panose="020B0604020202020204" pitchFamily="34" charset="0"/>
+              </a:rPr>
+              <a:t>that matters!</a:t>
+            </a:r>
+            <a:endParaRPr lang="ko-KR" altLang="en-US" dirty="0">
+              <a:latin typeface="Arial" panose="020B0604020202020204" pitchFamily="34" charset="0"/>
+              <a:cs typeface="Arial" panose="020B0604020202020204" pitchFamily="34" charset="0"/>
+            </a:endParaRPr>
+          </a:p>
+        </p:txBody>
+      </p:sp>
+      <p:sp>
+        <p:nvSpPr>
+          <p:cNvPr id="9" name="TextBox 8"/>
+          <p:cNvSpPr txBox="1"/>
+          <p:nvPr/>
+        </p:nvSpPr>
+        <p:spPr>
+          <a:xfrm>
+            <a:off x="276056" y="1092298"/>
+            <a:ext cx="8626404" cy="400110"/>
+          </a:xfrm>
+          <a:prstGeom prst="rect">
+            <a:avLst/>
+          </a:prstGeom>
+          <a:noFill/>
+        </p:spPr>
+        <p:txBody>
+          <a:bodyPr wrap="square" rtlCol="0">
+            <a:spAutoFit/>
+          </a:bodyPr>
+          <a:lstStyle/>
+          <a:p>
+            <a:pPr algn="just"/>
+            <a:r>
+              <a:rPr lang="en-US" altLang="ko-KR" sz="2000" dirty="0" smtClean="0">
+                <a:solidFill>
+                  <a:schemeClr val="tx1">
+                    <a:lumMod val="75000"/>
+                    <a:lumOff val="25000"/>
+                  </a:schemeClr>
+                </a:solidFill>
+                <a:latin typeface="Arial" panose="020B0604020202020204" pitchFamily="34" charset="0"/>
+                <a:cs typeface="Arial" panose="020B0604020202020204" pitchFamily="34" charset="0"/>
+                <a:sym typeface="Wingdings" panose="05000000000000000000" pitchFamily="2" charset="2"/>
+              </a:rPr>
+              <a:t> Data mining </a:t>
+            </a:r>
+            <a:r>
+              <a:rPr lang="en-US" altLang="ko-KR" sz="2000" b="1" dirty="0" smtClean="0">
+                <a:solidFill>
+                  <a:schemeClr val="accent2">
+                    <a:lumMod val="75000"/>
+                  </a:schemeClr>
+                </a:solidFill>
+                <a:latin typeface="Arial" panose="020B0604020202020204" pitchFamily="34" charset="0"/>
+                <a:cs typeface="Arial" panose="020B0604020202020204" pitchFamily="34" charset="0"/>
+                <a:sym typeface="Wingdings" panose="05000000000000000000" pitchFamily="2" charset="2"/>
+              </a:rPr>
+              <a:t>ZERO TO ALL</a:t>
+            </a:r>
+            <a:endParaRPr lang="ko-KR" altLang="en-US" sz="2000" b="1" dirty="0">
+              <a:solidFill>
+                <a:schemeClr val="accent2">
+                  <a:lumMod val="75000"/>
+                </a:schemeClr>
+              </a:solidFill>
+              <a:latin typeface="Arial" panose="020B0604020202020204" pitchFamily="34" charset="0"/>
+              <a:cs typeface="Arial" panose="020B0604020202020204" pitchFamily="34" charset="0"/>
+            </a:endParaRPr>
+          </a:p>
+        </p:txBody>
+      </p:sp>
+      <p:sp>
+        <p:nvSpPr>
+          <p:cNvPr id="12" name="TextBox 11"/>
+          <p:cNvSpPr txBox="1"/>
+          <p:nvPr/>
+        </p:nvSpPr>
+        <p:spPr>
+          <a:xfrm>
+            <a:off x="276056" y="1685336"/>
+            <a:ext cx="8626404" cy="923330"/>
+          </a:xfrm>
+          <a:prstGeom prst="rect">
+            <a:avLst/>
+          </a:prstGeom>
+          <a:noFill/>
+        </p:spPr>
+        <p:txBody>
+          <a:bodyPr wrap="square" rtlCol="0">
+            <a:spAutoFit/>
+          </a:bodyPr>
+          <a:lstStyle/>
+          <a:p>
+            <a:pPr marL="800100" lvl="1" indent="-342900" algn="just">
+              <a:buFont typeface="Wingdings" panose="05000000000000000000" pitchFamily="2" charset="2"/>
+              <a:buChar char=""/>
+            </a:pPr>
+            <a:r>
+              <a:rPr lang="en-US" altLang="ko-KR" b="1" dirty="0" smtClean="0">
+                <a:solidFill>
+                  <a:schemeClr val="accent2">
+                    <a:lumMod val="75000"/>
+                  </a:schemeClr>
+                </a:solidFill>
+                <a:latin typeface="Arial" panose="020B0604020202020204" pitchFamily="34" charset="0"/>
+                <a:cs typeface="Arial" panose="020B0604020202020204" pitchFamily="34" charset="0"/>
+              </a:rPr>
+              <a:t>Start from scratch,</a:t>
+            </a:r>
+            <a:r>
+              <a:rPr lang="en-US" altLang="ko-KR" dirty="0" smtClean="0">
+                <a:latin typeface="Arial" panose="020B0604020202020204" pitchFamily="34" charset="0"/>
+                <a:cs typeface="Arial" panose="020B0604020202020204" pitchFamily="34" charset="0"/>
+              </a:rPr>
+              <a:t>  make small ones, and make larger and important ones in the end</a:t>
+            </a:r>
+          </a:p>
+          <a:p>
+            <a:pPr marL="800100" lvl="1" indent="-342900" algn="just">
+              <a:buFont typeface="Wingdings" panose="05000000000000000000" pitchFamily="2" charset="2"/>
+              <a:buChar char=""/>
+            </a:pPr>
+            <a:r>
+              <a:rPr lang="en-US" altLang="ko-KR" dirty="0" smtClean="0">
+                <a:latin typeface="Arial" panose="020B0604020202020204" pitchFamily="34" charset="0"/>
+                <a:cs typeface="Arial" panose="020B0604020202020204" pitchFamily="34" charset="0"/>
+              </a:rPr>
+              <a:t>No programming/statistics/mathematics preliminaries required!</a:t>
+            </a:r>
+            <a:endParaRPr lang="ko-KR" altLang="en-US" dirty="0">
+              <a:latin typeface="Arial" panose="020B0604020202020204" pitchFamily="34" charset="0"/>
+              <a:cs typeface="Arial" panose="020B0604020202020204" pitchFamily="34" charset="0"/>
+            </a:endParaRPr>
+          </a:p>
+        </p:txBody>
+      </p:sp>
+      <p:sp>
+        <p:nvSpPr>
+          <p:cNvPr id="13" name="TextBox 12"/>
+          <p:cNvSpPr txBox="1"/>
+          <p:nvPr/>
+        </p:nvSpPr>
+        <p:spPr>
+          <a:xfrm>
+            <a:off x="276056" y="4346901"/>
+            <a:ext cx="8626404" cy="400110"/>
+          </a:xfrm>
+          <a:prstGeom prst="rect">
+            <a:avLst/>
+          </a:prstGeom>
+          <a:noFill/>
+        </p:spPr>
+        <p:txBody>
+          <a:bodyPr wrap="square" rtlCol="0">
+            <a:spAutoFit/>
+          </a:bodyPr>
+          <a:lstStyle/>
+          <a:p>
+            <a:pPr algn="just"/>
+            <a:r>
+              <a:rPr lang="en-US" altLang="ko-KR" sz="2000" dirty="0" smtClean="0">
+                <a:solidFill>
+                  <a:schemeClr val="tx1">
+                    <a:lumMod val="75000"/>
+                    <a:lumOff val="25000"/>
+                  </a:schemeClr>
+                </a:solidFill>
+                <a:latin typeface="Arial" panose="020B0604020202020204" pitchFamily="34" charset="0"/>
+                <a:cs typeface="Arial" panose="020B0604020202020204" pitchFamily="34" charset="0"/>
+                <a:sym typeface="Wingdings" panose="05000000000000000000" pitchFamily="2" charset="2"/>
+              </a:rPr>
+              <a:t> Practicality &amp; Learning by Doing</a:t>
+            </a:r>
+            <a:endParaRPr lang="ko-KR" altLang="en-US" sz="2000" dirty="0">
+              <a:solidFill>
+                <a:schemeClr val="tx1">
+                  <a:lumMod val="75000"/>
+                  <a:lumOff val="25000"/>
+                </a:schemeClr>
+              </a:solidFill>
+              <a:latin typeface="Arial" panose="020B0604020202020204" pitchFamily="34" charset="0"/>
+              <a:cs typeface="Arial" panose="020B0604020202020204" pitchFamily="34" charset="0"/>
+            </a:endParaRPr>
+          </a:p>
+        </p:txBody>
+      </p:sp>
+      <p:sp>
+        <p:nvSpPr>
           <p:cNvPr id="14" name="TextBox 13"/>
           <p:cNvSpPr txBox="1"/>
           <p:nvPr/>
         </p:nvSpPr>
         <p:spPr>
           <a:xfrm>
-            <a:off x="276056" y="4747011"/>
+            <a:off x="276056" y="4863743"/>
             <a:ext cx="8626404" cy="1477328"/>
           </a:xfrm>
           <a:prstGeom prst="rect">
@@ -10238,6 +11522,45 @@
           <a:chExt cx="0" cy="0"/>
         </a:xfrm>
       </p:grpSpPr>
+      <p:pic>
+        <p:nvPicPr>
+          <p:cNvPr id="1026" name="Picture 2" descr="excel spreadsheet에 대한 이미지 검색결과"/>
+          <p:cNvPicPr>
+            <a:picLocks noChangeAspect="1" noChangeArrowheads="1"/>
+          </p:cNvPicPr>
+          <p:nvPr/>
+        </p:nvPicPr>
+        <p:blipFill rotWithShape="1">
+          <a:blip r:embed="rId2">
+            <a:extLst>
+              <a:ext uri="{28A0092B-C50C-407E-A947-70E740481C1C}">
+                <a14:useLocalDpi xmlns:a14="http://schemas.microsoft.com/office/drawing/2010/main" val="0"/>
+              </a:ext>
+            </a:extLst>
+          </a:blip>
+          <a:srcRect t="18029"/>
+          <a:stretch/>
+        </p:blipFill>
+        <p:spPr bwMode="auto">
+          <a:xfrm>
+            <a:off x="465822" y="1833041"/>
+            <a:ext cx="8219980" cy="4211266"/>
+          </a:xfrm>
+          <a:prstGeom prst="rect">
+            <a:avLst/>
+          </a:prstGeom>
+          <a:noFill/>
+          <a:extLst>
+            <a:ext uri="{909E8E84-426E-40DD-AFC4-6F175D3DCCD1}">
+              <a14:hiddenFill xmlns:a14="http://schemas.microsoft.com/office/drawing/2010/main">
+                <a:solidFill>
+                  <a:srgbClr val="FFFFFF"/>
+                </a:solidFill>
+              </a14:hiddenFill>
+            </a:ext>
+          </a:extLst>
+        </p:spPr>
+      </p:pic>
       <p:sp>
         <p:nvSpPr>
           <p:cNvPr id="4" name="TextBox 3"/>
@@ -10247,7 +11570,7 @@
         <p:spPr>
           <a:xfrm>
             <a:off x="741880" y="129720"/>
-            <a:ext cx="3966150" cy="584775"/>
+            <a:ext cx="6104556" cy="584775"/>
           </a:xfrm>
           <a:prstGeom prst="rect">
             <a:avLst/>
@@ -10281,7 +11604,7 @@
                 <a:latin typeface="Arial" panose="020B0604020202020204" pitchFamily="34" charset="0"/>
                 <a:cs typeface="Arial" panose="020B0604020202020204" pitchFamily="34" charset="0"/>
               </a:rPr>
-              <a:t>Data Mining Process</a:t>
+              <a:t>Data, Database, and Information</a:t>
             </a:r>
             <a:endParaRPr lang="ko-KR" altLang="en-US" sz="3200" dirty="0">
               <a:gradFill flip="none" rotWithShape="1">
@@ -10308,57 +11631,7 @@
       </p:sp>
       <p:sp>
         <p:nvSpPr>
-          <p:cNvPr id="6" name="TextBox 5"/>
-          <p:cNvSpPr txBox="1"/>
-          <p:nvPr/>
-        </p:nvSpPr>
-        <p:spPr>
-          <a:xfrm>
-            <a:off x="276056" y="1101628"/>
-            <a:ext cx="8626404" cy="400110"/>
-          </a:xfrm>
-          <a:prstGeom prst="rect">
-            <a:avLst/>
-          </a:prstGeom>
-          <a:noFill/>
-        </p:spPr>
-        <p:txBody>
-          <a:bodyPr wrap="square" rtlCol="0">
-            <a:spAutoFit/>
-          </a:bodyPr>
-          <a:lstStyle/>
-          <a:p>
-            <a:pPr algn="just"/>
-            <a:r>
-              <a:rPr lang="en-US" altLang="ko-KR" sz="2000" dirty="0" smtClean="0">
-                <a:solidFill>
-                  <a:schemeClr val="tx1">
-                    <a:lumMod val="75000"/>
-                    <a:lumOff val="25000"/>
-                  </a:schemeClr>
-                </a:solidFill>
-                <a:latin typeface="Arial" panose="020B0604020202020204" pitchFamily="34" charset="0"/>
-                <a:cs typeface="Arial" panose="020B0604020202020204" pitchFamily="34" charset="0"/>
-                <a:sym typeface="Wingdings" panose="05000000000000000000" pitchFamily="2" charset="2"/>
-              </a:rPr>
-              <a:t> Cross-industry standard process for data mining (CRISP-DM)</a:t>
-            </a:r>
-            <a:endParaRPr lang="ko-KR" altLang="en-US" sz="2000" dirty="0">
-              <a:solidFill>
-                <a:schemeClr val="tx1">
-                  <a:lumMod val="75000"/>
-                  <a:lumOff val="25000"/>
-                </a:schemeClr>
-              </a:solidFill>
-              <a:latin typeface="Arial" panose="020B0604020202020204" pitchFamily="34" charset="0"/>
-              <a:cs typeface="Arial" panose="020B0604020202020204" pitchFamily="34" charset="0"/>
-            </a:endParaRPr>
-          </a:p>
-        </p:txBody>
-      </p:sp>
-      <p:sp>
-        <p:nvSpPr>
-          <p:cNvPr id="11" name="직사각형 10"/>
+          <p:cNvPr id="5" name="직사각형 4"/>
           <p:cNvSpPr/>
           <p:nvPr/>
         </p:nvSpPr>
@@ -10408,62 +11681,21 @@
           </a:p>
         </p:txBody>
       </p:sp>
-      <p:pic>
-        <p:nvPicPr>
-          <p:cNvPr id="2050" name="Picture 2" descr="https://upload.wikimedia.org/wikipedia/commons/thumb/b/b9/CRISP-DM_Process_Diagram.png/1024px-CRISP-DM_Process_Diagram.png"/>
-          <p:cNvPicPr>
-            <a:picLocks noChangeAspect="1" noChangeArrowheads="1"/>
-          </p:cNvPicPr>
+      <p:sp>
+        <p:nvSpPr>
+          <p:cNvPr id="6" name="TextBox 5"/>
+          <p:cNvSpPr txBox="1"/>
           <p:nvPr/>
-        </p:nvPicPr>
-        <p:blipFill>
-          <a:blip r:embed="rId3">
-            <a:extLst>
-              <a:ext uri="{28A0092B-C50C-407E-A947-70E740481C1C}">
-                <a14:useLocalDpi xmlns:a14="http://schemas.microsoft.com/office/drawing/2010/main" val="0"/>
-              </a:ext>
-            </a:extLst>
-          </a:blip>
-          <a:srcRect/>
-          <a:stretch>
-            <a:fillRect/>
-          </a:stretch>
-        </p:blipFill>
-        <p:spPr bwMode="auto">
-          <a:xfrm>
-            <a:off x="2220845" y="1628725"/>
-            <a:ext cx="4736826" cy="4746078"/>
+        </p:nvSpPr>
+        <p:spPr>
+          <a:xfrm>
+            <a:off x="276056" y="1101628"/>
+            <a:ext cx="8626404" cy="400110"/>
           </a:xfrm>
           <a:prstGeom prst="rect">
             <a:avLst/>
           </a:prstGeom>
           <a:noFill/>
-          <a:extLst>
-            <a:ext uri="{909E8E84-426E-40DD-AFC4-6F175D3DCCD1}">
-              <a14:hiddenFill xmlns:a14="http://schemas.microsoft.com/office/drawing/2010/main">
-                <a:solidFill>
-                  <a:srgbClr val="FFFFFF"/>
-                </a:solidFill>
-              </a14:hiddenFill>
-            </a:ext>
-          </a:extLst>
-        </p:spPr>
-      </p:pic>
-      <p:sp>
-        <p:nvSpPr>
-          <p:cNvPr id="7" name="TextBox 6"/>
-          <p:cNvSpPr txBox="1"/>
-          <p:nvPr/>
-        </p:nvSpPr>
-        <p:spPr>
-          <a:xfrm>
-            <a:off x="25878" y="6501791"/>
-            <a:ext cx="8626404" cy="246221"/>
-          </a:xfrm>
-          <a:prstGeom prst="rect">
-            <a:avLst/>
-          </a:prstGeom>
-          <a:noFill/>
         </p:spPr>
         <p:txBody>
           <a:bodyPr wrap="square" rtlCol="0">
@@ -10473,7 +11705,7 @@
           <a:p>
             <a:pPr algn="just"/>
             <a:r>
-              <a:rPr lang="en-US" altLang="ko-KR" sz="1000" dirty="0" err="1" smtClean="0">
+              <a:rPr lang="en-US" altLang="ko-KR" sz="2000" dirty="0" smtClean="0">
                 <a:solidFill>
                   <a:schemeClr val="tx1">
                     <a:lumMod val="75000"/>
@@ -10484,10 +11716,10 @@
                 <a:cs typeface="Arial" panose="020B0604020202020204" pitchFamily="34" charset="0"/>
                 <a:sym typeface="Wingdings" panose="05000000000000000000" pitchFamily="2" charset="2"/>
               </a:rPr>
-              <a:t>src</a:t>
-            </a:r>
-            <a:r>
-              <a:rPr lang="en-US" altLang="ko-KR" sz="1000" dirty="0" smtClean="0">
+              <a:t> </a:t>
+            </a:r>
+            <a:r>
+              <a:rPr lang="en-US" altLang="ko-KR" sz="2000" dirty="0" smtClean="0">
                 <a:solidFill>
                   <a:schemeClr val="tx1">
                     <a:lumMod val="75000"/>
@@ -10498,23 +11730,9 @@
                 <a:cs typeface="Arial" panose="020B0604020202020204" pitchFamily="34" charset="0"/>
                 <a:sym typeface="Wingdings" panose="05000000000000000000" pitchFamily="2" charset="2"/>
               </a:rPr>
-              <a:t>: </a:t>
-            </a:r>
-            <a:r>
-              <a:rPr lang="en-US" altLang="ko-KR" sz="1000" dirty="0">
-                <a:solidFill>
-                  <a:schemeClr val="tx1">
-                    <a:lumMod val="75000"/>
-                    <a:lumOff val="25000"/>
-                  </a:schemeClr>
-                </a:solidFill>
-                <a:latin typeface="Arial" panose="020B0604020202020204" pitchFamily="34" charset="0"/>
-                <a:cs typeface="Arial" panose="020B0604020202020204" pitchFamily="34" charset="0"/>
-                <a:sym typeface="Wingdings" panose="05000000000000000000" pitchFamily="2" charset="2"/>
-              </a:rPr>
-              <a:t>https://upload.wikimedia.org/wikipedia/commons/thumb/b/b9/CRISP-DM_Process_Diagram.png/1024px-CRISP-DM_Process_Diagram.png</a:t>
-            </a:r>
-            <a:endParaRPr lang="ko-KR" altLang="en-US" sz="1000" dirty="0">
+              <a:t>Example: Excel Spreadsheet</a:t>
+            </a:r>
+            <a:endParaRPr lang="ko-KR" altLang="en-US" sz="2000" dirty="0">
               <a:solidFill>
                 <a:schemeClr val="tx1">
                   <a:lumMod val="75000"/>
@@ -10527,10 +11745,506 @@
           </a:p>
         </p:txBody>
       </p:sp>
+      <p:sp>
+        <p:nvSpPr>
+          <p:cNvPr id="3" name="직사각형 2"/>
+          <p:cNvSpPr/>
+          <p:nvPr/>
+        </p:nvSpPr>
+        <p:spPr>
+          <a:xfrm>
+            <a:off x="816793" y="5735794"/>
+            <a:ext cx="4926782" cy="209145"/>
+          </a:xfrm>
+          <a:prstGeom prst="rect">
+            <a:avLst/>
+          </a:prstGeom>
+          <a:noFill/>
+          <a:ln w="38100">
+            <a:solidFill>
+              <a:srgbClr val="C00000"/>
+            </a:solidFill>
+          </a:ln>
+        </p:spPr>
+        <p:style>
+          <a:lnRef idx="2">
+            <a:schemeClr val="accent1">
+              <a:shade val="50000"/>
+            </a:schemeClr>
+          </a:lnRef>
+          <a:fillRef idx="1">
+            <a:schemeClr val="accent1"/>
+          </a:fillRef>
+          <a:effectRef idx="0">
+            <a:schemeClr val="accent1"/>
+          </a:effectRef>
+          <a:fontRef idx="minor">
+            <a:schemeClr val="lt1"/>
+          </a:fontRef>
+        </p:style>
+        <p:txBody>
+          <a:bodyPr rtlCol="0" anchor="ctr"/>
+          <a:lstStyle/>
+          <a:p>
+            <a:pPr algn="ctr"/>
+            <a:endParaRPr lang="ko-KR" altLang="en-US"/>
+          </a:p>
+        </p:txBody>
+      </p:sp>
+      <p:cxnSp>
+        <p:nvCxnSpPr>
+          <p:cNvPr id="14" name="직선 연결선 13"/>
+          <p:cNvCxnSpPr/>
+          <p:nvPr/>
+        </p:nvCxnSpPr>
+        <p:spPr>
+          <a:xfrm>
+            <a:off x="2895758" y="5956396"/>
+            <a:ext cx="1112266" cy="473347"/>
+          </a:xfrm>
+          <a:prstGeom prst="line">
+            <a:avLst/>
+          </a:prstGeom>
+          <a:ln>
+            <a:solidFill>
+              <a:srgbClr val="C00000"/>
+            </a:solidFill>
+          </a:ln>
+        </p:spPr>
+        <p:style>
+          <a:lnRef idx="1">
+            <a:schemeClr val="accent1"/>
+          </a:lnRef>
+          <a:fillRef idx="0">
+            <a:schemeClr val="accent1"/>
+          </a:fillRef>
+          <a:effectRef idx="0">
+            <a:schemeClr val="accent1"/>
+          </a:effectRef>
+          <a:fontRef idx="minor">
+            <a:schemeClr val="tx1"/>
+          </a:fontRef>
+        </p:style>
+      </p:cxnSp>
+      <p:sp>
+        <p:nvSpPr>
+          <p:cNvPr id="15" name="TextBox 14"/>
+          <p:cNvSpPr txBox="1"/>
+          <p:nvPr/>
+        </p:nvSpPr>
+        <p:spPr>
+          <a:xfrm>
+            <a:off x="3145833" y="6436996"/>
+            <a:ext cx="2332609" cy="369332"/>
+          </a:xfrm>
+          <a:prstGeom prst="rect">
+            <a:avLst/>
+          </a:prstGeom>
+          <a:noFill/>
+        </p:spPr>
+        <p:txBody>
+          <a:bodyPr wrap="square" rtlCol="0">
+            <a:spAutoFit/>
+          </a:bodyPr>
+          <a:lstStyle/>
+          <a:p>
+            <a:pPr lvl="1" algn="just"/>
+            <a:r>
+              <a:rPr lang="en-US" altLang="ko-KR" b="1" dirty="0" smtClean="0">
+                <a:solidFill>
+                  <a:srgbClr val="C00000"/>
+                </a:solidFill>
+                <a:latin typeface="Arial" panose="020B0604020202020204" pitchFamily="34" charset="0"/>
+                <a:cs typeface="Arial" panose="020B0604020202020204" pitchFamily="34" charset="0"/>
+              </a:rPr>
+              <a:t>Data instance</a:t>
+            </a:r>
+            <a:endParaRPr lang="ko-KR" altLang="en-US" b="1" dirty="0">
+              <a:solidFill>
+                <a:srgbClr val="C00000"/>
+              </a:solidFill>
+              <a:latin typeface="Arial" panose="020B0604020202020204" pitchFamily="34" charset="0"/>
+              <a:cs typeface="Arial" panose="020B0604020202020204" pitchFamily="34" charset="0"/>
+            </a:endParaRPr>
+          </a:p>
+        </p:txBody>
+      </p:sp>
+      <p:sp>
+        <p:nvSpPr>
+          <p:cNvPr id="19" name="직사각형 18"/>
+          <p:cNvSpPr/>
+          <p:nvPr/>
+        </p:nvSpPr>
+        <p:spPr>
+          <a:xfrm>
+            <a:off x="4897910" y="3250655"/>
+            <a:ext cx="845666" cy="2793652"/>
+          </a:xfrm>
+          <a:prstGeom prst="rect">
+            <a:avLst/>
+          </a:prstGeom>
+          <a:noFill/>
+          <a:ln w="38100">
+            <a:solidFill>
+              <a:srgbClr val="0070C0"/>
+            </a:solidFill>
+          </a:ln>
+        </p:spPr>
+        <p:style>
+          <a:lnRef idx="2">
+            <a:schemeClr val="accent1">
+              <a:shade val="50000"/>
+            </a:schemeClr>
+          </a:lnRef>
+          <a:fillRef idx="1">
+            <a:schemeClr val="accent1"/>
+          </a:fillRef>
+          <a:effectRef idx="0">
+            <a:schemeClr val="accent1"/>
+          </a:effectRef>
+          <a:fontRef idx="minor">
+            <a:schemeClr val="lt1"/>
+          </a:fontRef>
+        </p:style>
+        <p:txBody>
+          <a:bodyPr rtlCol="0" anchor="ctr"/>
+          <a:lstStyle/>
+          <a:p>
+            <a:pPr algn="ctr"/>
+            <a:endParaRPr lang="ko-KR" altLang="en-US"/>
+          </a:p>
+        </p:txBody>
+      </p:sp>
+      <p:cxnSp>
+        <p:nvCxnSpPr>
+          <p:cNvPr id="20" name="직선 연결선 19"/>
+          <p:cNvCxnSpPr/>
+          <p:nvPr/>
+        </p:nvCxnSpPr>
+        <p:spPr>
+          <a:xfrm>
+            <a:off x="5320743" y="6066707"/>
+            <a:ext cx="1932217" cy="287207"/>
+          </a:xfrm>
+          <a:prstGeom prst="line">
+            <a:avLst/>
+          </a:prstGeom>
+          <a:ln>
+            <a:solidFill>
+              <a:srgbClr val="0070C0"/>
+            </a:solidFill>
+          </a:ln>
+        </p:spPr>
+        <p:style>
+          <a:lnRef idx="1">
+            <a:schemeClr val="accent1"/>
+          </a:lnRef>
+          <a:fillRef idx="0">
+            <a:schemeClr val="accent1"/>
+          </a:fillRef>
+          <a:effectRef idx="0">
+            <a:schemeClr val="accent1"/>
+          </a:effectRef>
+          <a:fontRef idx="minor">
+            <a:schemeClr val="tx1"/>
+          </a:fontRef>
+        </p:style>
+      </p:cxnSp>
+      <p:sp>
+        <p:nvSpPr>
+          <p:cNvPr id="22" name="TextBox 21"/>
+          <p:cNvSpPr txBox="1"/>
+          <p:nvPr/>
+        </p:nvSpPr>
+        <p:spPr>
+          <a:xfrm>
+            <a:off x="6811391" y="6353914"/>
+            <a:ext cx="2332609" cy="369332"/>
+          </a:xfrm>
+          <a:prstGeom prst="rect">
+            <a:avLst/>
+          </a:prstGeom>
+          <a:noFill/>
+        </p:spPr>
+        <p:txBody>
+          <a:bodyPr wrap="square" rtlCol="0">
+            <a:spAutoFit/>
+          </a:bodyPr>
+          <a:lstStyle/>
+          <a:p>
+            <a:pPr lvl="1" algn="just"/>
+            <a:r>
+              <a:rPr lang="en-US" altLang="ko-KR" b="1" dirty="0" smtClean="0">
+                <a:solidFill>
+                  <a:srgbClr val="0070C0"/>
+                </a:solidFill>
+                <a:latin typeface="Arial" panose="020B0604020202020204" pitchFamily="34" charset="0"/>
+                <a:cs typeface="Arial" panose="020B0604020202020204" pitchFamily="34" charset="0"/>
+              </a:rPr>
+              <a:t>Feature</a:t>
+            </a:r>
+            <a:endParaRPr lang="ko-KR" altLang="en-US" b="1" dirty="0">
+              <a:solidFill>
+                <a:srgbClr val="0070C0"/>
+              </a:solidFill>
+              <a:latin typeface="Arial" panose="020B0604020202020204" pitchFamily="34" charset="0"/>
+              <a:cs typeface="Arial" panose="020B0604020202020204" pitchFamily="34" charset="0"/>
+            </a:endParaRPr>
+          </a:p>
+        </p:txBody>
+      </p:sp>
+      <p:sp>
+        <p:nvSpPr>
+          <p:cNvPr id="23" name="직사각형 22"/>
+          <p:cNvSpPr/>
+          <p:nvPr/>
+        </p:nvSpPr>
+        <p:spPr>
+          <a:xfrm>
+            <a:off x="833088" y="3239261"/>
+            <a:ext cx="1095971" cy="2805046"/>
+          </a:xfrm>
+          <a:prstGeom prst="rect">
+            <a:avLst/>
+          </a:prstGeom>
+          <a:noFill/>
+          <a:ln w="38100">
+            <a:solidFill>
+              <a:srgbClr val="00B050"/>
+            </a:solidFill>
+          </a:ln>
+        </p:spPr>
+        <p:style>
+          <a:lnRef idx="2">
+            <a:schemeClr val="accent1">
+              <a:shade val="50000"/>
+            </a:schemeClr>
+          </a:lnRef>
+          <a:fillRef idx="1">
+            <a:schemeClr val="accent1"/>
+          </a:fillRef>
+          <a:effectRef idx="0">
+            <a:schemeClr val="accent1"/>
+          </a:effectRef>
+          <a:fontRef idx="minor">
+            <a:schemeClr val="lt1"/>
+          </a:fontRef>
+        </p:style>
+        <p:txBody>
+          <a:bodyPr rtlCol="0" anchor="ctr"/>
+          <a:lstStyle/>
+          <a:p>
+            <a:pPr algn="ctr"/>
+            <a:endParaRPr lang="ko-KR" altLang="en-US"/>
+          </a:p>
+        </p:txBody>
+      </p:sp>
+      <p:cxnSp>
+        <p:nvCxnSpPr>
+          <p:cNvPr id="25" name="직선 연결선 24"/>
+          <p:cNvCxnSpPr/>
+          <p:nvPr/>
+        </p:nvCxnSpPr>
+        <p:spPr>
+          <a:xfrm>
+            <a:off x="1381073" y="6034356"/>
+            <a:ext cx="331613" cy="341419"/>
+          </a:xfrm>
+          <a:prstGeom prst="line">
+            <a:avLst/>
+          </a:prstGeom>
+          <a:ln>
+            <a:solidFill>
+              <a:srgbClr val="00B050"/>
+            </a:solidFill>
+          </a:ln>
+        </p:spPr>
+        <p:style>
+          <a:lnRef idx="1">
+            <a:schemeClr val="accent1"/>
+          </a:lnRef>
+          <a:fillRef idx="0">
+            <a:schemeClr val="accent1"/>
+          </a:fillRef>
+          <a:effectRef idx="0">
+            <a:schemeClr val="accent1"/>
+          </a:effectRef>
+          <a:fontRef idx="minor">
+            <a:schemeClr val="tx1"/>
+          </a:fontRef>
+        </p:style>
+      </p:cxnSp>
+      <p:sp>
+        <p:nvSpPr>
+          <p:cNvPr id="27" name="TextBox 26"/>
+          <p:cNvSpPr txBox="1"/>
+          <p:nvPr/>
+        </p:nvSpPr>
+        <p:spPr>
+          <a:xfrm>
+            <a:off x="762754" y="6427557"/>
+            <a:ext cx="2332609" cy="369332"/>
+          </a:xfrm>
+          <a:prstGeom prst="rect">
+            <a:avLst/>
+          </a:prstGeom>
+          <a:noFill/>
+        </p:spPr>
+        <p:txBody>
+          <a:bodyPr wrap="square" rtlCol="0">
+            <a:spAutoFit/>
+          </a:bodyPr>
+          <a:lstStyle/>
+          <a:p>
+            <a:pPr lvl="1" algn="just"/>
+            <a:r>
+              <a:rPr lang="en-US" altLang="ko-KR" b="1" dirty="0" smtClean="0">
+                <a:solidFill>
+                  <a:srgbClr val="00B050"/>
+                </a:solidFill>
+                <a:latin typeface="Arial" panose="020B0604020202020204" pitchFamily="34" charset="0"/>
+                <a:cs typeface="Arial" panose="020B0604020202020204" pitchFamily="34" charset="0"/>
+              </a:rPr>
+              <a:t>Index</a:t>
+            </a:r>
+            <a:endParaRPr lang="ko-KR" altLang="en-US" b="1" dirty="0">
+              <a:solidFill>
+                <a:srgbClr val="00B050"/>
+              </a:solidFill>
+              <a:latin typeface="Arial" panose="020B0604020202020204" pitchFamily="34" charset="0"/>
+              <a:cs typeface="Arial" panose="020B0604020202020204" pitchFamily="34" charset="0"/>
+            </a:endParaRPr>
+          </a:p>
+        </p:txBody>
+      </p:sp>
+      <p:sp>
+        <p:nvSpPr>
+          <p:cNvPr id="28" name="직사각형 27"/>
+          <p:cNvSpPr/>
+          <p:nvPr/>
+        </p:nvSpPr>
+        <p:spPr>
+          <a:xfrm>
+            <a:off x="1929059" y="3250655"/>
+            <a:ext cx="3814516" cy="203133"/>
+          </a:xfrm>
+          <a:prstGeom prst="rect">
+            <a:avLst/>
+          </a:prstGeom>
+          <a:noFill/>
+          <a:ln w="38100">
+            <a:solidFill>
+              <a:srgbClr val="7030A0"/>
+            </a:solidFill>
+          </a:ln>
+        </p:spPr>
+        <p:style>
+          <a:lnRef idx="2">
+            <a:schemeClr val="accent1">
+              <a:shade val="50000"/>
+            </a:schemeClr>
+          </a:lnRef>
+          <a:fillRef idx="1">
+            <a:schemeClr val="accent1"/>
+          </a:fillRef>
+          <a:effectRef idx="0">
+            <a:schemeClr val="accent1"/>
+          </a:effectRef>
+          <a:fontRef idx="minor">
+            <a:schemeClr val="lt1"/>
+          </a:fontRef>
+        </p:style>
+        <p:txBody>
+          <a:bodyPr rtlCol="0" anchor="ctr"/>
+          <a:lstStyle/>
+          <a:p>
+            <a:pPr algn="ctr"/>
+            <a:endParaRPr lang="ko-KR" altLang="en-US"/>
+          </a:p>
+        </p:txBody>
+      </p:sp>
+      <p:cxnSp>
+        <p:nvCxnSpPr>
+          <p:cNvPr id="29" name="직선 연결선 28"/>
+          <p:cNvCxnSpPr/>
+          <p:nvPr/>
+        </p:nvCxnSpPr>
+        <p:spPr>
+          <a:xfrm flipV="1">
+            <a:off x="5478442" y="1381125"/>
+            <a:ext cx="530266" cy="1858136"/>
+          </a:xfrm>
+          <a:prstGeom prst="line">
+            <a:avLst/>
+          </a:prstGeom>
+          <a:ln>
+            <a:solidFill>
+              <a:srgbClr val="7030A0"/>
+            </a:solidFill>
+          </a:ln>
+        </p:spPr>
+        <p:style>
+          <a:lnRef idx="1">
+            <a:schemeClr val="accent1"/>
+          </a:lnRef>
+          <a:fillRef idx="0">
+            <a:schemeClr val="accent1"/>
+          </a:fillRef>
+          <a:effectRef idx="0">
+            <a:schemeClr val="accent1"/>
+          </a:effectRef>
+          <a:fontRef idx="minor">
+            <a:schemeClr val="tx1"/>
+          </a:fontRef>
+        </p:style>
+      </p:cxnSp>
+      <p:sp>
+        <p:nvSpPr>
+          <p:cNvPr id="31" name="TextBox 30"/>
+          <p:cNvSpPr txBox="1"/>
+          <p:nvPr/>
+        </p:nvSpPr>
+        <p:spPr>
+          <a:xfrm>
+            <a:off x="5327706" y="1021318"/>
+            <a:ext cx="2332609" cy="369332"/>
+          </a:xfrm>
+          <a:prstGeom prst="rect">
+            <a:avLst/>
+          </a:prstGeom>
+          <a:noFill/>
+        </p:spPr>
+        <p:txBody>
+          <a:bodyPr wrap="square" rtlCol="0">
+            <a:spAutoFit/>
+          </a:bodyPr>
+          <a:lstStyle/>
+          <a:p>
+            <a:pPr lvl="1" algn="just"/>
+            <a:r>
+              <a:rPr lang="en-US" altLang="ko-KR" b="1" dirty="0" smtClean="0">
+                <a:solidFill>
+                  <a:srgbClr val="7030A0"/>
+                </a:solidFill>
+                <a:latin typeface="Arial" panose="020B0604020202020204" pitchFamily="34" charset="0"/>
+                <a:cs typeface="Arial" panose="020B0604020202020204" pitchFamily="34" charset="0"/>
+              </a:rPr>
+              <a:t>Header</a:t>
+            </a:r>
+            <a:endParaRPr lang="ko-KR" altLang="en-US" b="1" dirty="0">
+              <a:solidFill>
+                <a:srgbClr val="7030A0"/>
+              </a:solidFill>
+              <a:latin typeface="Arial" panose="020B0604020202020204" pitchFamily="34" charset="0"/>
+              <a:cs typeface="Arial" panose="020B0604020202020204" pitchFamily="34" charset="0"/>
+            </a:endParaRPr>
+          </a:p>
+        </p:txBody>
+      </p:sp>
     </p:spTree>
     <p:extLst>
       <p:ext uri="{BB962C8B-B14F-4D97-AF65-F5344CB8AC3E}">
-        <p14:creationId xmlns:p14="http://schemas.microsoft.com/office/powerpoint/2010/main" val="169484986"/>
+        <p14:creationId xmlns:p14="http://schemas.microsoft.com/office/powerpoint/2010/main" val="1038359498"/>
       </p:ext>
     </p:extLst>
   </p:cSld>
@@ -10603,7 +12317,7 @@
         <p:spPr>
           <a:xfrm>
             <a:off x="741880" y="129720"/>
-            <a:ext cx="3966150" cy="584775"/>
+            <a:ext cx="6104556" cy="584775"/>
           </a:xfrm>
           <a:prstGeom prst="rect">
             <a:avLst/>
@@ -10637,7 +12351,7 @@
                 <a:latin typeface="Arial" panose="020B0604020202020204" pitchFamily="34" charset="0"/>
                 <a:cs typeface="Arial" panose="020B0604020202020204" pitchFamily="34" charset="0"/>
               </a:rPr>
-              <a:t>Data Mining Process</a:t>
+              <a:t>Data, Database, and Information</a:t>
             </a:r>
             <a:endParaRPr lang="ko-KR" altLang="en-US" sz="3200" dirty="0">
               <a:gradFill flip="none" rotWithShape="1">
@@ -10664,57 +12378,7 @@
       </p:sp>
       <p:sp>
         <p:nvSpPr>
-          <p:cNvPr id="6" name="TextBox 5"/>
-          <p:cNvSpPr txBox="1"/>
-          <p:nvPr/>
-        </p:nvSpPr>
-        <p:spPr>
-          <a:xfrm>
-            <a:off x="276056" y="1101628"/>
-            <a:ext cx="8626404" cy="400110"/>
-          </a:xfrm>
-          <a:prstGeom prst="rect">
-            <a:avLst/>
-          </a:prstGeom>
-          <a:noFill/>
-        </p:spPr>
-        <p:txBody>
-          <a:bodyPr wrap="square" rtlCol="0">
-            <a:spAutoFit/>
-          </a:bodyPr>
-          <a:lstStyle/>
-          <a:p>
-            <a:pPr algn="just"/>
-            <a:r>
-              <a:rPr lang="en-US" altLang="ko-KR" sz="2000" dirty="0" smtClean="0">
-                <a:solidFill>
-                  <a:schemeClr val="tx1">
-                    <a:lumMod val="75000"/>
-                    <a:lumOff val="25000"/>
-                  </a:schemeClr>
-                </a:solidFill>
-                <a:latin typeface="Arial" panose="020B0604020202020204" pitchFamily="34" charset="0"/>
-                <a:cs typeface="Arial" panose="020B0604020202020204" pitchFamily="34" charset="0"/>
-                <a:sym typeface="Wingdings" panose="05000000000000000000" pitchFamily="2" charset="2"/>
-              </a:rPr>
-              <a:t> Cross-industry standard process for data mining (CRISP-DM)</a:t>
-            </a:r>
-            <a:endParaRPr lang="ko-KR" altLang="en-US" sz="2000" dirty="0">
-              <a:solidFill>
-                <a:schemeClr val="tx1">
-                  <a:lumMod val="75000"/>
-                  <a:lumOff val="25000"/>
-                </a:schemeClr>
-              </a:solidFill>
-              <a:latin typeface="Arial" panose="020B0604020202020204" pitchFamily="34" charset="0"/>
-              <a:cs typeface="Arial" panose="020B0604020202020204" pitchFamily="34" charset="0"/>
-            </a:endParaRPr>
-          </a:p>
-        </p:txBody>
-      </p:sp>
-      <p:sp>
-        <p:nvSpPr>
-          <p:cNvPr id="11" name="직사각형 10"/>
+          <p:cNvPr id="5" name="직사각형 4"/>
           <p:cNvSpPr/>
           <p:nvPr/>
         </p:nvSpPr>
@@ -10766,14 +12430,14 @@
       </p:sp>
       <p:sp>
         <p:nvSpPr>
-          <p:cNvPr id="7" name="TextBox 6"/>
+          <p:cNvPr id="6" name="TextBox 5"/>
           <p:cNvSpPr txBox="1"/>
           <p:nvPr/>
         </p:nvSpPr>
         <p:spPr>
           <a:xfrm>
-            <a:off x="25878" y="6501791"/>
-            <a:ext cx="8626404" cy="246221"/>
+            <a:off x="276056" y="1101628"/>
+            <a:ext cx="8626404" cy="400110"/>
           </a:xfrm>
           <a:prstGeom prst="rect">
             <a:avLst/>
@@ -10788,7 +12452,7 @@
           <a:p>
             <a:pPr algn="just"/>
             <a:r>
-              <a:rPr lang="en-US" altLang="ko-KR" sz="1000" dirty="0">
+              <a:rPr lang="en-US" altLang="ko-KR" sz="2000" dirty="0" smtClean="0">
                 <a:solidFill>
                   <a:schemeClr val="tx1">
                     <a:lumMod val="75000"/>
@@ -10799,9 +12463,23 @@
                 <a:cs typeface="Arial" panose="020B0604020202020204" pitchFamily="34" charset="0"/>
                 <a:sym typeface="Wingdings" panose="05000000000000000000" pitchFamily="2" charset="2"/>
               </a:rPr>
-              <a:t>Reference: https://en.wikipedia.org/wiki/Cross-industry_standard_process_for_data_mining</a:t>
-            </a:r>
-            <a:endParaRPr lang="ko-KR" altLang="en-US" sz="1000" dirty="0">
+              <a:t> </a:t>
+            </a:r>
+            <a:r>
+              <a:rPr lang="en-US" altLang="ko-KR" sz="2000" dirty="0" smtClean="0">
+                <a:solidFill>
+                  <a:schemeClr val="tx1">
+                    <a:lumMod val="75000"/>
+                    <a:lumOff val="25000"/>
+                  </a:schemeClr>
+                </a:solidFill>
+                <a:latin typeface="Arial" panose="020B0604020202020204" pitchFamily="34" charset="0"/>
+                <a:cs typeface="Arial" panose="020B0604020202020204" pitchFamily="34" charset="0"/>
+                <a:sym typeface="Wingdings" panose="05000000000000000000" pitchFamily="2" charset="2"/>
+              </a:rPr>
+              <a:t>Example: Relation (table) in relational database</a:t>
+            </a:r>
+            <a:endParaRPr lang="ko-KR" altLang="en-US" sz="2000" dirty="0">
               <a:solidFill>
                 <a:schemeClr val="tx1">
                   <a:lumMod val="75000"/>
@@ -10814,329 +12492,92 @@
           </a:p>
         </p:txBody>
       </p:sp>
-      <p:sp>
-        <p:nvSpPr>
-          <p:cNvPr id="8" name="TextBox 7"/>
-          <p:cNvSpPr txBox="1"/>
+      <p:pic>
+        <p:nvPicPr>
+          <p:cNvPr id="2050" name="Picture 2" descr="rdb table에 대한 이미지 검색결과"/>
+          <p:cNvPicPr>
+            <a:picLocks noChangeAspect="1" noChangeArrowheads="1"/>
+          </p:cNvPicPr>
           <p:nvPr/>
-        </p:nvSpPr>
-        <p:spPr>
-          <a:xfrm>
-            <a:off x="276056" y="1648016"/>
-            <a:ext cx="8626404" cy="4801314"/>
+        </p:nvPicPr>
+        <p:blipFill>
+          <a:blip r:embed="rId2">
+            <a:extLst>
+              <a:ext uri="{28A0092B-C50C-407E-A947-70E740481C1C}">
+                <a14:useLocalDpi xmlns:a14="http://schemas.microsoft.com/office/drawing/2010/main" val="0"/>
+              </a:ext>
+            </a:extLst>
+          </a:blip>
+          <a:srcRect/>
+          <a:stretch>
+            <a:fillRect/>
+          </a:stretch>
+        </p:blipFill>
+        <p:spPr bwMode="auto">
+          <a:xfrm>
+            <a:off x="476935" y="1771650"/>
+            <a:ext cx="5619066" cy="1930145"/>
           </a:xfrm>
           <a:prstGeom prst="rect">
             <a:avLst/>
           </a:prstGeom>
           <a:noFill/>
-        </p:spPr>
-        <p:txBody>
-          <a:bodyPr wrap="square" rtlCol="0">
-            <a:spAutoFit/>
-          </a:bodyPr>
-          <a:lstStyle/>
-          <a:p>
-            <a:pPr marL="800100" lvl="1" indent="-342900" algn="just">
-              <a:buFont typeface="Wingdings" panose="05000000000000000000" pitchFamily="2" charset="2"/>
-              <a:buChar char=""/>
-            </a:pPr>
-            <a:r>
-              <a:rPr lang="en-US" altLang="ko-KR" b="1" dirty="0" smtClean="0">
-                <a:solidFill>
-                  <a:srgbClr val="C00000"/>
-                </a:solidFill>
-                <a:latin typeface="Arial" panose="020B0604020202020204" pitchFamily="34" charset="0"/>
-                <a:cs typeface="Arial" panose="020B0604020202020204" pitchFamily="34" charset="0"/>
-                <a:sym typeface="Wingdings" panose="05000000000000000000" pitchFamily="2" charset="2"/>
-              </a:rPr>
-              <a:t>Business understanding</a:t>
-            </a:r>
-            <a:r>
-              <a:rPr lang="en-US" altLang="ko-KR" dirty="0" smtClean="0">
-                <a:solidFill>
-                  <a:srgbClr val="C00000"/>
-                </a:solidFill>
-                <a:latin typeface="Arial" panose="020B0604020202020204" pitchFamily="34" charset="0"/>
-                <a:cs typeface="Arial" panose="020B0604020202020204" pitchFamily="34" charset="0"/>
-                <a:sym typeface="Wingdings" panose="05000000000000000000" pitchFamily="2" charset="2"/>
-              </a:rPr>
-              <a:t>: </a:t>
-            </a:r>
-            <a:r>
-              <a:rPr lang="en-US" altLang="ko-KR" dirty="0" smtClean="0">
-                <a:solidFill>
-                  <a:schemeClr val="tx1">
-                    <a:lumMod val="75000"/>
-                    <a:lumOff val="25000"/>
-                  </a:schemeClr>
-                </a:solidFill>
-                <a:latin typeface="Arial" panose="020B0604020202020204" pitchFamily="34" charset="0"/>
-                <a:cs typeface="Arial" panose="020B0604020202020204" pitchFamily="34" charset="0"/>
-                <a:sym typeface="Wingdings" panose="05000000000000000000" pitchFamily="2" charset="2"/>
-              </a:rPr>
-              <a:t>understanding the project objectives and requirements from a business perspective, and then converting this knowledge into a data mining problem definition, and a preliminary plan designed to achieve objectives</a:t>
-            </a:r>
-          </a:p>
-          <a:p>
-            <a:pPr marL="800100" lvl="1" indent="-342900" algn="just">
-              <a:buFont typeface="Wingdings" panose="05000000000000000000" pitchFamily="2" charset="2"/>
-              <a:buChar char=""/>
-            </a:pPr>
-            <a:r>
-              <a:rPr lang="en-US" altLang="ko-KR" b="1" dirty="0">
-                <a:solidFill>
-                  <a:srgbClr val="C00000"/>
-                </a:solidFill>
-                <a:latin typeface="Arial" panose="020B0604020202020204" pitchFamily="34" charset="0"/>
-                <a:cs typeface="Arial" panose="020B0604020202020204" pitchFamily="34" charset="0"/>
-                <a:sym typeface="Wingdings" panose="05000000000000000000" pitchFamily="2" charset="2"/>
-              </a:rPr>
-              <a:t>Data understanding</a:t>
-            </a:r>
-            <a:r>
-              <a:rPr lang="en-US" altLang="ko-KR" dirty="0">
-                <a:solidFill>
-                  <a:srgbClr val="C00000"/>
-                </a:solidFill>
-                <a:latin typeface="Arial" panose="020B0604020202020204" pitchFamily="34" charset="0"/>
-                <a:cs typeface="Arial" panose="020B0604020202020204" pitchFamily="34" charset="0"/>
-                <a:sym typeface="Wingdings" panose="05000000000000000000" pitchFamily="2" charset="2"/>
-              </a:rPr>
-              <a:t>: </a:t>
-            </a:r>
-            <a:r>
-              <a:rPr lang="en-US" altLang="ko-KR" dirty="0">
-                <a:solidFill>
-                  <a:schemeClr val="tx1">
-                    <a:lumMod val="75000"/>
-                    <a:lumOff val="25000"/>
-                  </a:schemeClr>
-                </a:solidFill>
-                <a:latin typeface="Arial" panose="020B0604020202020204" pitchFamily="34" charset="0"/>
-                <a:cs typeface="Arial" panose="020B0604020202020204" pitchFamily="34" charset="0"/>
-                <a:sym typeface="Wingdings" panose="05000000000000000000" pitchFamily="2" charset="2"/>
-              </a:rPr>
-              <a:t>starts with an initial data collection and proceeds with activities in order to get familiar with the data, to identify data quality problems, to discover first insights into the data, or to detect interesting subsets to form hypotheses for hidden </a:t>
-            </a:r>
-            <a:r>
-              <a:rPr lang="en-US" altLang="ko-KR" dirty="0" smtClean="0">
-                <a:solidFill>
-                  <a:schemeClr val="tx1">
-                    <a:lumMod val="75000"/>
-                    <a:lumOff val="25000"/>
-                  </a:schemeClr>
-                </a:solidFill>
-                <a:latin typeface="Arial" panose="020B0604020202020204" pitchFamily="34" charset="0"/>
-                <a:cs typeface="Arial" panose="020B0604020202020204" pitchFamily="34" charset="0"/>
-                <a:sym typeface="Wingdings" panose="05000000000000000000" pitchFamily="2" charset="2"/>
-              </a:rPr>
-              <a:t>information</a:t>
-            </a:r>
-          </a:p>
-          <a:p>
-            <a:pPr marL="800100" lvl="1" indent="-342900" algn="just">
-              <a:buFont typeface="Wingdings" panose="05000000000000000000" pitchFamily="2" charset="2"/>
-              <a:buChar char=""/>
-            </a:pPr>
-            <a:r>
-              <a:rPr lang="en-US" altLang="ko-KR" b="1" dirty="0" smtClean="0">
-                <a:solidFill>
-                  <a:srgbClr val="C00000"/>
-                </a:solidFill>
-                <a:latin typeface="Arial" panose="020B0604020202020204" pitchFamily="34" charset="0"/>
-                <a:cs typeface="Arial" panose="020B0604020202020204" pitchFamily="34" charset="0"/>
-                <a:sym typeface="Wingdings" panose="05000000000000000000" pitchFamily="2" charset="2"/>
-              </a:rPr>
-              <a:t>Data preparation</a:t>
-            </a:r>
-            <a:r>
-              <a:rPr lang="en-US" altLang="ko-KR" b="1" dirty="0">
-                <a:solidFill>
-                  <a:srgbClr val="C00000"/>
-                </a:solidFill>
-                <a:latin typeface="Arial" panose="020B0604020202020204" pitchFamily="34" charset="0"/>
-                <a:cs typeface="Arial" panose="020B0604020202020204" pitchFamily="34" charset="0"/>
-                <a:sym typeface="Wingdings" panose="05000000000000000000" pitchFamily="2" charset="2"/>
-              </a:rPr>
-              <a:t>: </a:t>
-            </a:r>
-            <a:r>
-              <a:rPr lang="en-US" altLang="ko-KR" dirty="0">
-                <a:solidFill>
-                  <a:schemeClr val="tx1">
-                    <a:lumMod val="75000"/>
-                    <a:lumOff val="25000"/>
-                  </a:schemeClr>
-                </a:solidFill>
-                <a:latin typeface="Arial" panose="020B0604020202020204" pitchFamily="34" charset="0"/>
-                <a:cs typeface="Arial" panose="020B0604020202020204" pitchFamily="34" charset="0"/>
-                <a:sym typeface="Wingdings" panose="05000000000000000000" pitchFamily="2" charset="2"/>
-              </a:rPr>
-              <a:t>all activities to construct the final dataset (data that will be fed into the modeling tool(s)) from the initial raw data</a:t>
-            </a:r>
-            <a:r>
-              <a:rPr lang="en-US" altLang="ko-KR" dirty="0" smtClean="0">
-                <a:solidFill>
-                  <a:schemeClr val="tx1">
-                    <a:lumMod val="75000"/>
-                    <a:lumOff val="25000"/>
-                  </a:schemeClr>
-                </a:solidFill>
-                <a:latin typeface="Arial" panose="020B0604020202020204" pitchFamily="34" charset="0"/>
-                <a:cs typeface="Arial" panose="020B0604020202020204" pitchFamily="34" charset="0"/>
-                <a:sym typeface="Wingdings" panose="05000000000000000000" pitchFamily="2" charset="2"/>
-              </a:rPr>
-              <a:t>.</a:t>
-            </a:r>
-          </a:p>
-          <a:p>
-            <a:pPr marL="800100" lvl="1" indent="-342900" algn="just">
-              <a:buFont typeface="Wingdings" panose="05000000000000000000" pitchFamily="2" charset="2"/>
-              <a:buChar char=""/>
-            </a:pPr>
-            <a:r>
-              <a:rPr lang="en-US" altLang="ko-KR" b="1" dirty="0">
-                <a:solidFill>
-                  <a:srgbClr val="C00000"/>
-                </a:solidFill>
-                <a:latin typeface="Arial" panose="020B0604020202020204" pitchFamily="34" charset="0"/>
-                <a:cs typeface="Arial" panose="020B0604020202020204" pitchFamily="34" charset="0"/>
-                <a:sym typeface="Wingdings" panose="05000000000000000000" pitchFamily="2" charset="2"/>
-              </a:rPr>
-              <a:t>Modeling: </a:t>
-            </a:r>
-            <a:r>
-              <a:rPr lang="en-US" altLang="ko-KR" dirty="0">
-                <a:solidFill>
-                  <a:schemeClr val="tx1">
-                    <a:lumMod val="75000"/>
-                    <a:lumOff val="25000"/>
-                  </a:schemeClr>
-                </a:solidFill>
-                <a:latin typeface="Arial" panose="020B0604020202020204" pitchFamily="34" charset="0"/>
-                <a:cs typeface="Arial" panose="020B0604020202020204" pitchFamily="34" charset="0"/>
-                <a:sym typeface="Wingdings" panose="05000000000000000000" pitchFamily="2" charset="2"/>
-              </a:rPr>
-              <a:t>various modeling techniques are selected and applied, and their parameters are calibrated to optimal values. </a:t>
-            </a:r>
-            <a:endParaRPr lang="en-US" altLang="ko-KR" dirty="0" smtClean="0">
-              <a:solidFill>
-                <a:schemeClr val="tx1">
-                  <a:lumMod val="75000"/>
-                  <a:lumOff val="25000"/>
-                </a:schemeClr>
-              </a:solidFill>
-              <a:latin typeface="Arial" panose="020B0604020202020204" pitchFamily="34" charset="0"/>
-              <a:cs typeface="Arial" panose="020B0604020202020204" pitchFamily="34" charset="0"/>
-              <a:sym typeface="Wingdings" panose="05000000000000000000" pitchFamily="2" charset="2"/>
-            </a:endParaRPr>
-          </a:p>
-          <a:p>
-            <a:pPr marL="800100" lvl="1" indent="-342900" algn="just">
-              <a:buFont typeface="Wingdings" panose="05000000000000000000" pitchFamily="2" charset="2"/>
-              <a:buChar char=""/>
-            </a:pPr>
-            <a:r>
-              <a:rPr lang="en-US" altLang="ko-KR" b="1" dirty="0">
-                <a:solidFill>
-                  <a:srgbClr val="C00000"/>
-                </a:solidFill>
-                <a:latin typeface="Arial" panose="020B0604020202020204" pitchFamily="34" charset="0"/>
-                <a:cs typeface="Arial" panose="020B0604020202020204" pitchFamily="34" charset="0"/>
-                <a:sym typeface="Wingdings" panose="05000000000000000000" pitchFamily="2" charset="2"/>
-              </a:rPr>
-              <a:t>Evaluation:</a:t>
-            </a:r>
-            <a:r>
-              <a:rPr lang="en-US" altLang="ko-KR" dirty="0">
-                <a:solidFill>
-                  <a:schemeClr val="tx1">
-                    <a:lumMod val="75000"/>
-                    <a:lumOff val="25000"/>
-                  </a:schemeClr>
-                </a:solidFill>
-                <a:latin typeface="Arial" panose="020B0604020202020204" pitchFamily="34" charset="0"/>
-                <a:cs typeface="Arial" panose="020B0604020202020204" pitchFamily="34" charset="0"/>
-                <a:sym typeface="Wingdings" panose="05000000000000000000" pitchFamily="2" charset="2"/>
-              </a:rPr>
-              <a:t> thoroughly evaluate the model, and review the steps executed to construct the model, to be certain it properly achieves the business </a:t>
-            </a:r>
-            <a:r>
-              <a:rPr lang="en-US" altLang="ko-KR" dirty="0" smtClean="0">
-                <a:solidFill>
-                  <a:schemeClr val="tx1">
-                    <a:lumMod val="75000"/>
-                    <a:lumOff val="25000"/>
-                  </a:schemeClr>
-                </a:solidFill>
-                <a:latin typeface="Arial" panose="020B0604020202020204" pitchFamily="34" charset="0"/>
-                <a:cs typeface="Arial" panose="020B0604020202020204" pitchFamily="34" charset="0"/>
-                <a:sym typeface="Wingdings" panose="05000000000000000000" pitchFamily="2" charset="2"/>
-              </a:rPr>
-              <a:t>objectives</a:t>
-            </a:r>
-          </a:p>
-          <a:p>
-            <a:pPr marL="800100" lvl="1" indent="-342900" algn="just">
-              <a:buFont typeface="Wingdings" panose="05000000000000000000" pitchFamily="2" charset="2"/>
-              <a:buChar char=""/>
-            </a:pPr>
-            <a:r>
-              <a:rPr lang="en-US" altLang="ko-KR" b="1" dirty="0">
-                <a:solidFill>
-                  <a:srgbClr val="C00000"/>
-                </a:solidFill>
-                <a:latin typeface="Arial" panose="020B0604020202020204" pitchFamily="34" charset="0"/>
-                <a:cs typeface="Arial" panose="020B0604020202020204" pitchFamily="34" charset="0"/>
-                <a:sym typeface="Wingdings" panose="05000000000000000000" pitchFamily="2" charset="2"/>
-              </a:rPr>
-              <a:t>Deployment:</a:t>
-            </a:r>
-            <a:r>
-              <a:rPr lang="en-US" altLang="ko-KR" dirty="0" smtClean="0">
-                <a:solidFill>
-                  <a:schemeClr val="tx1">
-                    <a:lumMod val="75000"/>
-                    <a:lumOff val="25000"/>
-                  </a:schemeClr>
-                </a:solidFill>
-                <a:latin typeface="Arial" panose="020B0604020202020204" pitchFamily="34" charset="0"/>
-                <a:cs typeface="Arial" panose="020B0604020202020204" pitchFamily="34" charset="0"/>
-                <a:sym typeface="Wingdings" panose="05000000000000000000" pitchFamily="2" charset="2"/>
-              </a:rPr>
-              <a:t> the </a:t>
-            </a:r>
-            <a:r>
-              <a:rPr lang="en-US" altLang="ko-KR" dirty="0">
-                <a:solidFill>
-                  <a:schemeClr val="tx1">
-                    <a:lumMod val="75000"/>
-                    <a:lumOff val="25000"/>
-                  </a:schemeClr>
-                </a:solidFill>
-                <a:latin typeface="Arial" panose="020B0604020202020204" pitchFamily="34" charset="0"/>
-                <a:cs typeface="Arial" panose="020B0604020202020204" pitchFamily="34" charset="0"/>
-                <a:sym typeface="Wingdings" panose="05000000000000000000" pitchFamily="2" charset="2"/>
-              </a:rPr>
-              <a:t>knowledge gained will need to be organized and presented in a way that is useful to the customer</a:t>
-            </a:r>
-            <a:endParaRPr lang="ko-KR" altLang="en-US" dirty="0">
-              <a:solidFill>
-                <a:schemeClr val="tx1">
-                  <a:lumMod val="75000"/>
-                  <a:lumOff val="25000"/>
-                </a:schemeClr>
-              </a:solidFill>
-              <a:latin typeface="Arial" panose="020B0604020202020204" pitchFamily="34" charset="0"/>
-              <a:cs typeface="Arial" panose="020B0604020202020204" pitchFamily="34" charset="0"/>
-            </a:endParaRPr>
-          </a:p>
-        </p:txBody>
-      </p:sp>
+          <a:extLst>
+            <a:ext uri="{909E8E84-426E-40DD-AFC4-6F175D3DCCD1}">
+              <a14:hiddenFill xmlns:a14="http://schemas.microsoft.com/office/drawing/2010/main">
+                <a:solidFill>
+                  <a:srgbClr val="FFFFFF"/>
+                </a:solidFill>
+              </a14:hiddenFill>
+            </a:ext>
+          </a:extLst>
+        </p:spPr>
+      </p:pic>
+      <p:pic>
+        <p:nvPicPr>
+          <p:cNvPr id="2052" name="Picture 4" descr="rdb table에 대한 이미지 검색결과"/>
+          <p:cNvPicPr>
+            <a:picLocks noChangeAspect="1" noChangeArrowheads="1"/>
+          </p:cNvPicPr>
+          <p:nvPr/>
+        </p:nvPicPr>
+        <p:blipFill>
+          <a:blip r:embed="rId3" cstate="print">
+            <a:extLst>
+              <a:ext uri="{28A0092B-C50C-407E-A947-70E740481C1C}">
+                <a14:useLocalDpi xmlns:a14="http://schemas.microsoft.com/office/drawing/2010/main" val="0"/>
+              </a:ext>
+            </a:extLst>
+          </a:blip>
+          <a:srcRect/>
+          <a:stretch>
+            <a:fillRect/>
+          </a:stretch>
+        </p:blipFill>
+        <p:spPr bwMode="auto">
+          <a:xfrm>
+            <a:off x="2097870" y="3971925"/>
+            <a:ext cx="6627030" cy="2486146"/>
+          </a:xfrm>
+          <a:prstGeom prst="rect">
+            <a:avLst/>
+          </a:prstGeom>
+          <a:noFill/>
+          <a:extLst>
+            <a:ext uri="{909E8E84-426E-40DD-AFC4-6F175D3DCCD1}">
+              <a14:hiddenFill xmlns:a14="http://schemas.microsoft.com/office/drawing/2010/main">
+                <a:solidFill>
+                  <a:srgbClr val="FFFFFF"/>
+                </a:solidFill>
+              </a14:hiddenFill>
+            </a:ext>
+          </a:extLst>
+        </p:spPr>
+      </p:pic>
     </p:spTree>
     <p:extLst>
       <p:ext uri="{BB962C8B-B14F-4D97-AF65-F5344CB8AC3E}">
-        <p14:creationId xmlns:p14="http://schemas.microsoft.com/office/powerpoint/2010/main" val="1528356692"/>
+        <p14:creationId xmlns:p14="http://schemas.microsoft.com/office/powerpoint/2010/main" val="2319556225"/>
       </p:ext>
     </p:extLst>
   </p:cSld>
